--- a/信息科学与工程学院/java/java2.pptx
+++ b/信息科学与工程学院/java/java2.pptx
@@ -109,6 +109,11 @@
       </a:defRPr>
     </a:lvl9pPr>
   </p:defaultTextStyle>
+  <p:extLst>
+    <p:ext uri="{EFAFB233-063F-42B5-8137-9DF3F51BA10A}">
+      <p15:sldGuideLst xmlns:p15="http://schemas.microsoft.com/office/powerpoint/2012/main"/>
+    </p:ext>
+  </p:extLst>
 </p:presentation>
 </file>
 
@@ -259,7 +264,7 @@
           <a:p>
             <a:fld id="{164C949E-953F-4EF1-9911-DE112AD56D41}" type="datetimeFigureOut">
               <a:rPr lang="zh-CN" altLang="en-US" smtClean="0"/>
-              <a:t>2023/4/14</a:t>
+              <a:t>2023/4/17</a:t>
             </a:fld>
             <a:endParaRPr lang="zh-CN" altLang="en-US"/>
           </a:p>
@@ -457,7 +462,7 @@
           <a:p>
             <a:fld id="{164C949E-953F-4EF1-9911-DE112AD56D41}" type="datetimeFigureOut">
               <a:rPr lang="zh-CN" altLang="en-US" smtClean="0"/>
-              <a:t>2023/4/14</a:t>
+              <a:t>2023/4/17</a:t>
             </a:fld>
             <a:endParaRPr lang="zh-CN" altLang="en-US"/>
           </a:p>
@@ -665,7 +670,7 @@
           <a:p>
             <a:fld id="{164C949E-953F-4EF1-9911-DE112AD56D41}" type="datetimeFigureOut">
               <a:rPr lang="zh-CN" altLang="en-US" smtClean="0"/>
-              <a:t>2023/4/14</a:t>
+              <a:t>2023/4/17</a:t>
             </a:fld>
             <a:endParaRPr lang="zh-CN" altLang="en-US"/>
           </a:p>
@@ -863,7 +868,7 @@
           <a:p>
             <a:fld id="{164C949E-953F-4EF1-9911-DE112AD56D41}" type="datetimeFigureOut">
               <a:rPr lang="zh-CN" altLang="en-US" smtClean="0"/>
-              <a:t>2023/4/14</a:t>
+              <a:t>2023/4/17</a:t>
             </a:fld>
             <a:endParaRPr lang="zh-CN" altLang="en-US"/>
           </a:p>
@@ -1138,7 +1143,7 @@
           <a:p>
             <a:fld id="{164C949E-953F-4EF1-9911-DE112AD56D41}" type="datetimeFigureOut">
               <a:rPr lang="zh-CN" altLang="en-US" smtClean="0"/>
-              <a:t>2023/4/14</a:t>
+              <a:t>2023/4/17</a:t>
             </a:fld>
             <a:endParaRPr lang="zh-CN" altLang="en-US"/>
           </a:p>
@@ -1403,7 +1408,7 @@
           <a:p>
             <a:fld id="{164C949E-953F-4EF1-9911-DE112AD56D41}" type="datetimeFigureOut">
               <a:rPr lang="zh-CN" altLang="en-US" smtClean="0"/>
-              <a:t>2023/4/14</a:t>
+              <a:t>2023/4/17</a:t>
             </a:fld>
             <a:endParaRPr lang="zh-CN" altLang="en-US"/>
           </a:p>
@@ -1815,7 +1820,7 @@
           <a:p>
             <a:fld id="{164C949E-953F-4EF1-9911-DE112AD56D41}" type="datetimeFigureOut">
               <a:rPr lang="zh-CN" altLang="en-US" smtClean="0"/>
-              <a:t>2023/4/14</a:t>
+              <a:t>2023/4/17</a:t>
             </a:fld>
             <a:endParaRPr lang="zh-CN" altLang="en-US"/>
           </a:p>
@@ -1956,7 +1961,7 @@
           <a:p>
             <a:fld id="{164C949E-953F-4EF1-9911-DE112AD56D41}" type="datetimeFigureOut">
               <a:rPr lang="zh-CN" altLang="en-US" smtClean="0"/>
-              <a:t>2023/4/14</a:t>
+              <a:t>2023/4/17</a:t>
             </a:fld>
             <a:endParaRPr lang="zh-CN" altLang="en-US"/>
           </a:p>
@@ -2069,7 +2074,7 @@
           <a:p>
             <a:fld id="{164C949E-953F-4EF1-9911-DE112AD56D41}" type="datetimeFigureOut">
               <a:rPr lang="zh-CN" altLang="en-US" smtClean="0"/>
-              <a:t>2023/4/14</a:t>
+              <a:t>2023/4/17</a:t>
             </a:fld>
             <a:endParaRPr lang="zh-CN" altLang="en-US"/>
           </a:p>
@@ -2380,7 +2385,7 @@
           <a:p>
             <a:fld id="{164C949E-953F-4EF1-9911-DE112AD56D41}" type="datetimeFigureOut">
               <a:rPr lang="zh-CN" altLang="en-US" smtClean="0"/>
-              <a:t>2023/4/14</a:t>
+              <a:t>2023/4/17</a:t>
             </a:fld>
             <a:endParaRPr lang="zh-CN" altLang="en-US"/>
           </a:p>
@@ -2668,7 +2673,7 @@
           <a:p>
             <a:fld id="{164C949E-953F-4EF1-9911-DE112AD56D41}" type="datetimeFigureOut">
               <a:rPr lang="zh-CN" altLang="en-US" smtClean="0"/>
-              <a:t>2023/4/14</a:t>
+              <a:t>2023/4/17</a:t>
             </a:fld>
             <a:endParaRPr lang="zh-CN" altLang="en-US"/>
           </a:p>
@@ -2909,7 +2914,7 @@
           <a:p>
             <a:fld id="{164C949E-953F-4EF1-9911-DE112AD56D41}" type="datetimeFigureOut">
               <a:rPr lang="zh-CN" altLang="en-US" smtClean="0"/>
-              <a:t>2023/4/14</a:t>
+              <a:t>2023/4/17</a:t>
             </a:fld>
             <a:endParaRPr lang="zh-CN" altLang="en-US"/>
           </a:p>
@@ -7495,7 +7500,7 @@
         <p:spPr>
           <a:xfrm>
             <a:off x="0" y="0"/>
-            <a:ext cx="11491615" cy="7017306"/>
+            <a:ext cx="11491615" cy="6740307"/>
           </a:xfrm>
           <a:prstGeom prst="rect">
             <a:avLst/>
@@ -8221,9 +8226,9 @@
           <a:p>
             <a:pPr marR="0" algn="l" rtl="0"/>
             <a:r>
-              <a:rPr lang="en-US" altLang="zh-CN" sz="1800" b="0" i="0" u="none" strike="noStrike" baseline="0" dirty="0">
-                <a:solidFill>
-                  <a:srgbClr val="BEB8B0"/>
+              <a:rPr lang="en-US" altLang="zh-CN" dirty="0">
+                <a:solidFill>
+                  <a:srgbClr val="6D95CC"/>
                 </a:solidFill>
                 <a:latin typeface="Consolas" panose="020B0609020204030204" pitchFamily="49" charset="0"/>
                 <a:ea typeface="宋体" panose="02010600030101010101" pitchFamily="2" charset="-122"/>
@@ -8238,17 +8243,17 @@
                 <a:latin typeface="Consolas" panose="020B0609020204030204" pitchFamily="49" charset="0"/>
                 <a:ea typeface="宋体" panose="02010600030101010101" pitchFamily="2" charset="-122"/>
               </a:rPr>
-              <a:t>var</a:t>
-            </a:r>
-            <a:r>
-              <a:rPr lang="en-US" altLang="zh-CN" sz="1800" b="0" i="0" u="none" strike="noStrike" baseline="0" dirty="0">
-                <a:solidFill>
-                  <a:srgbClr val="BEB8B0"/>
-                </a:solidFill>
-                <a:latin typeface="Consolas" panose="020B0609020204030204" pitchFamily="49" charset="0"/>
-                <a:ea typeface="宋体" panose="02010600030101010101" pitchFamily="2" charset="-122"/>
-              </a:rPr>
-              <a:t> index = </a:t>
+              <a:t>if</a:t>
+            </a:r>
+            <a:r>
+              <a:rPr lang="en-US" altLang="zh-CN" sz="1800" b="0" i="0" u="none" strike="noStrike" baseline="0" dirty="0">
+                <a:solidFill>
+                  <a:srgbClr val="BEB8B0"/>
+                </a:solidFill>
+                <a:latin typeface="Consolas" panose="020B0609020204030204" pitchFamily="49" charset="0"/>
+                <a:ea typeface="宋体" panose="02010600030101010101" pitchFamily="2" charset="-122"/>
+              </a:rPr>
+              <a:t>(!</a:t>
             </a:r>
             <a:r>
               <a:rPr lang="en-US" altLang="zh-CN" sz="1800" b="0" i="0" u="none" strike="noStrike" baseline="0" dirty="0" err="1">
@@ -8258,7 +8263,7 @@
                 <a:latin typeface="Consolas" panose="020B0609020204030204" pitchFamily="49" charset="0"/>
                 <a:ea typeface="宋体" panose="02010600030101010101" pitchFamily="2" charset="-122"/>
               </a:rPr>
-              <a:t>sno.indexOf</a:t>
+              <a:t>has_student</a:t>
             </a:r>
             <a:r>
               <a:rPr lang="en-US" altLang="zh-CN" sz="1800" b="0" i="0" u="none" strike="noStrike" baseline="0" dirty="0">
@@ -8288,60 +8293,7 @@
                 <a:latin typeface="Consolas" panose="020B0609020204030204" pitchFamily="49" charset="0"/>
                 <a:ea typeface="宋体" panose="02010600030101010101" pitchFamily="2" charset="-122"/>
               </a:rPr>
-              <a:t>);</a:t>
-            </a:r>
-          </a:p>
-          <a:p>
-            <a:pPr marR="0" algn="l" rtl="0"/>
-            <a:r>
-              <a:rPr lang="en-US" altLang="zh-CN" sz="1800" b="0" i="0" u="none" strike="noStrike" baseline="0" dirty="0">
-                <a:solidFill>
-                  <a:srgbClr val="BEB8B0"/>
-                </a:solidFill>
-                <a:latin typeface="Consolas" panose="020B0609020204030204" pitchFamily="49" charset="0"/>
-                <a:ea typeface="宋体" panose="02010600030101010101" pitchFamily="2" charset="-122"/>
-              </a:rPr>
-              <a:t>    </a:t>
-            </a:r>
-            <a:r>
-              <a:rPr lang="en-US" altLang="zh-CN" sz="1800" b="0" i="0" u="none" strike="noStrike" baseline="0" dirty="0">
-                <a:solidFill>
-                  <a:srgbClr val="6D95CC"/>
-                </a:solidFill>
-                <a:latin typeface="Consolas" panose="020B0609020204030204" pitchFamily="49" charset="0"/>
-                <a:ea typeface="宋体" panose="02010600030101010101" pitchFamily="2" charset="-122"/>
-              </a:rPr>
-              <a:t>if</a:t>
-            </a:r>
-            <a:r>
-              <a:rPr lang="en-US" altLang="zh-CN" sz="1800" b="0" i="0" u="none" strike="noStrike" baseline="0" dirty="0">
-                <a:solidFill>
-                  <a:srgbClr val="BEB8B0"/>
-                </a:solidFill>
-                <a:latin typeface="Consolas" panose="020B0609020204030204" pitchFamily="49" charset="0"/>
-                <a:ea typeface="宋体" panose="02010600030101010101" pitchFamily="2" charset="-122"/>
-              </a:rPr>
-              <a:t>(index == -</a:t>
-            </a:r>
-            <a:r>
-              <a:rPr lang="en-US" altLang="zh-CN" sz="1800" b="0" i="0" u="none" strike="noStrike" baseline="0" dirty="0">
-                <a:solidFill>
-                  <a:srgbClr val="DA5A4B"/>
-                </a:solidFill>
-                <a:latin typeface="Consolas" panose="020B0609020204030204" pitchFamily="49" charset="0"/>
-                <a:ea typeface="宋体" panose="02010600030101010101" pitchFamily="2" charset="-122"/>
-              </a:rPr>
-              <a:t>1</a:t>
-            </a:r>
-            <a:r>
-              <a:rPr lang="en-US" altLang="zh-CN" sz="1800" b="0" i="0" u="none" strike="noStrike" baseline="0" dirty="0">
-                <a:solidFill>
-                  <a:srgbClr val="BEB8B0"/>
-                </a:solidFill>
-                <a:latin typeface="Consolas" panose="020B0609020204030204" pitchFamily="49" charset="0"/>
-                <a:ea typeface="宋体" panose="02010600030101010101" pitchFamily="2" charset="-122"/>
-              </a:rPr>
-              <a:t>)</a:t>
+              <a:t>))</a:t>
             </a:r>
           </a:p>
           <a:p>
@@ -9867,6 +9819,41 @@
                 <a:ea typeface="宋体" panose="02010600030101010101" pitchFamily="2" charset="-122"/>
               </a:rPr>
               <a:t>}</a:t>
+            </a:r>
+          </a:p>
+        </p:txBody>
+      </p:sp>
+      <p:sp>
+        <p:nvSpPr>
+          <p:cNvPr id="4" name="文本框 3">
+            <a:extLst>
+              <a:ext uri="{FF2B5EF4-FFF2-40B4-BE49-F238E27FC236}">
+                <a16:creationId xmlns:a16="http://schemas.microsoft.com/office/drawing/2014/main" id="{5B818271-86E4-7839-4E6D-DC9672983E05}"/>
+              </a:ext>
+            </a:extLst>
+          </p:cNvPr>
+          <p:cNvSpPr txBox="1"/>
+          <p:nvPr/>
+        </p:nvSpPr>
+        <p:spPr>
+          <a:xfrm>
+            <a:off x="2064775" y="4013886"/>
+            <a:ext cx="3224980" cy="461665"/>
+          </a:xfrm>
+          <a:prstGeom prst="rect">
+            <a:avLst/>
+          </a:prstGeom>
+          <a:noFill/>
+        </p:spPr>
+        <p:txBody>
+          <a:bodyPr wrap="square" rtlCol="0">
+            <a:spAutoFit/>
+          </a:bodyPr>
+          <a:lstStyle/>
+          <a:p>
+            <a:r>
+              <a:rPr lang="zh-CN" altLang="en-US" sz="2400" dirty="0"/>
+              <a:t>有效数据，规避问题</a:t>
             </a:r>
           </a:p>
         </p:txBody>

--- a/信息科学与工程学院/java/java2.pptx
+++ b/信息科学与工程学院/java/java2.pptx
@@ -9,8 +9,9 @@
     <p:sldId id="258" r:id="rId3"/>
     <p:sldId id="257" r:id="rId4"/>
     <p:sldId id="259" r:id="rId5"/>
-    <p:sldId id="260" r:id="rId6"/>
-    <p:sldId id="261" r:id="rId7"/>
+    <p:sldId id="262" r:id="rId6"/>
+    <p:sldId id="260" r:id="rId7"/>
+    <p:sldId id="261" r:id="rId8"/>
   </p:sldIdLst>
   <p:sldSz cx="12192000" cy="6858000"/>
   <p:notesSz cx="6858000" cy="9144000"/>
@@ -264,7 +265,7 @@
           <a:p>
             <a:fld id="{164C949E-953F-4EF1-9911-DE112AD56D41}" type="datetimeFigureOut">
               <a:rPr lang="zh-CN" altLang="en-US" smtClean="0"/>
-              <a:t>2023/4/17</a:t>
+              <a:t>2023/4/19</a:t>
             </a:fld>
             <a:endParaRPr lang="zh-CN" altLang="en-US"/>
           </a:p>
@@ -462,7 +463,7 @@
           <a:p>
             <a:fld id="{164C949E-953F-4EF1-9911-DE112AD56D41}" type="datetimeFigureOut">
               <a:rPr lang="zh-CN" altLang="en-US" smtClean="0"/>
-              <a:t>2023/4/17</a:t>
+              <a:t>2023/4/19</a:t>
             </a:fld>
             <a:endParaRPr lang="zh-CN" altLang="en-US"/>
           </a:p>
@@ -670,7 +671,7 @@
           <a:p>
             <a:fld id="{164C949E-953F-4EF1-9911-DE112AD56D41}" type="datetimeFigureOut">
               <a:rPr lang="zh-CN" altLang="en-US" smtClean="0"/>
-              <a:t>2023/4/17</a:t>
+              <a:t>2023/4/19</a:t>
             </a:fld>
             <a:endParaRPr lang="zh-CN" altLang="en-US"/>
           </a:p>
@@ -868,7 +869,7 @@
           <a:p>
             <a:fld id="{164C949E-953F-4EF1-9911-DE112AD56D41}" type="datetimeFigureOut">
               <a:rPr lang="zh-CN" altLang="en-US" smtClean="0"/>
-              <a:t>2023/4/17</a:t>
+              <a:t>2023/4/19</a:t>
             </a:fld>
             <a:endParaRPr lang="zh-CN" altLang="en-US"/>
           </a:p>
@@ -1143,7 +1144,7 @@
           <a:p>
             <a:fld id="{164C949E-953F-4EF1-9911-DE112AD56D41}" type="datetimeFigureOut">
               <a:rPr lang="zh-CN" altLang="en-US" smtClean="0"/>
-              <a:t>2023/4/17</a:t>
+              <a:t>2023/4/19</a:t>
             </a:fld>
             <a:endParaRPr lang="zh-CN" altLang="en-US"/>
           </a:p>
@@ -1408,7 +1409,7 @@
           <a:p>
             <a:fld id="{164C949E-953F-4EF1-9911-DE112AD56D41}" type="datetimeFigureOut">
               <a:rPr lang="zh-CN" altLang="en-US" smtClean="0"/>
-              <a:t>2023/4/17</a:t>
+              <a:t>2023/4/19</a:t>
             </a:fld>
             <a:endParaRPr lang="zh-CN" altLang="en-US"/>
           </a:p>
@@ -1820,7 +1821,7 @@
           <a:p>
             <a:fld id="{164C949E-953F-4EF1-9911-DE112AD56D41}" type="datetimeFigureOut">
               <a:rPr lang="zh-CN" altLang="en-US" smtClean="0"/>
-              <a:t>2023/4/17</a:t>
+              <a:t>2023/4/19</a:t>
             </a:fld>
             <a:endParaRPr lang="zh-CN" altLang="en-US"/>
           </a:p>
@@ -1961,7 +1962,7 @@
           <a:p>
             <a:fld id="{164C949E-953F-4EF1-9911-DE112AD56D41}" type="datetimeFigureOut">
               <a:rPr lang="zh-CN" altLang="en-US" smtClean="0"/>
-              <a:t>2023/4/17</a:t>
+              <a:t>2023/4/19</a:t>
             </a:fld>
             <a:endParaRPr lang="zh-CN" altLang="en-US"/>
           </a:p>
@@ -2074,7 +2075,7 @@
           <a:p>
             <a:fld id="{164C949E-953F-4EF1-9911-DE112AD56D41}" type="datetimeFigureOut">
               <a:rPr lang="zh-CN" altLang="en-US" smtClean="0"/>
-              <a:t>2023/4/17</a:t>
+              <a:t>2023/4/19</a:t>
             </a:fld>
             <a:endParaRPr lang="zh-CN" altLang="en-US"/>
           </a:p>
@@ -2385,7 +2386,7 @@
           <a:p>
             <a:fld id="{164C949E-953F-4EF1-9911-DE112AD56D41}" type="datetimeFigureOut">
               <a:rPr lang="zh-CN" altLang="en-US" smtClean="0"/>
-              <a:t>2023/4/17</a:t>
+              <a:t>2023/4/19</a:t>
             </a:fld>
             <a:endParaRPr lang="zh-CN" altLang="en-US"/>
           </a:p>
@@ -2673,7 +2674,7 @@
           <a:p>
             <a:fld id="{164C949E-953F-4EF1-9911-DE112AD56D41}" type="datetimeFigureOut">
               <a:rPr lang="zh-CN" altLang="en-US" smtClean="0"/>
-              <a:t>2023/4/17</a:t>
+              <a:t>2023/4/19</a:t>
             </a:fld>
             <a:endParaRPr lang="zh-CN" altLang="en-US"/>
           </a:p>
@@ -2914,7 +2915,7 @@
           <a:p>
             <a:fld id="{164C949E-953F-4EF1-9911-DE112AD56D41}" type="datetimeFigureOut">
               <a:rPr lang="zh-CN" altLang="en-US" smtClean="0"/>
-              <a:t>2023/4/17</a:t>
+              <a:t>2023/4/19</a:t>
             </a:fld>
             <a:endParaRPr lang="zh-CN" altLang="en-US"/>
           </a:p>
@@ -3442,7 +3443,7 @@
         <p:spPr>
           <a:xfrm>
             <a:off x="383458" y="0"/>
-            <a:ext cx="6096000" cy="6186309"/>
+            <a:ext cx="11061290" cy="5909310"/>
           </a:xfrm>
           <a:prstGeom prst="rect">
             <a:avLst/>
@@ -4256,7 +4257,7 @@
                 <a:latin typeface="Consolas" panose="020B0609020204030204" pitchFamily="49" charset="0"/>
                 <a:ea typeface="宋体" panose="02010600030101010101" pitchFamily="2" charset="-122"/>
               </a:rPr>
-              <a:t>();  </a:t>
+              <a:t>();  	</a:t>
             </a:r>
             <a:r>
               <a:rPr lang="en-US" altLang="zh-CN" sz="1800" b="0" i="0" u="none" strike="noStrike" baseline="0" dirty="0">
@@ -4336,7 +4337,7 @@
                 <a:latin typeface="Consolas" panose="020B0609020204030204" pitchFamily="49" charset="0"/>
                 <a:ea typeface="宋体" panose="02010600030101010101" pitchFamily="2" charset="-122"/>
               </a:rPr>
-              <a:t>(); </a:t>
+              <a:t>(); 	</a:t>
             </a:r>
             <a:r>
               <a:rPr lang="en-US" altLang="zh-CN" sz="1800" b="0" i="0" u="none" strike="noStrike" baseline="0" dirty="0">
@@ -4499,24 +4500,34 @@
               <a:t>b.runb</a:t>
             </a:r>
             <a:r>
-              <a:rPr lang="en-US" altLang="zh-CN" sz="1800" b="0" i="0" u="none" strike="noStrike" baseline="0" dirty="0">
-                <a:solidFill>
-                  <a:srgbClr val="BEB8B0"/>
-                </a:solidFill>
-                <a:latin typeface="Consolas" panose="020B0609020204030204" pitchFamily="49" charset="0"/>
-                <a:ea typeface="宋体" panose="02010600030101010101" pitchFamily="2" charset="-122"/>
-              </a:rPr>
-              <a:t>();   </a:t>
-            </a:r>
-            <a:r>
-              <a:rPr lang="en-US" altLang="zh-CN" sz="1800" b="0" i="0" u="none" strike="noStrike" baseline="0" dirty="0">
+              <a:rPr lang="en-US" altLang="zh-CN" sz="1800" b="0" i="0" u="none" strike="noStrike" baseline="0">
+                <a:solidFill>
+                  <a:srgbClr val="BEB8B0"/>
+                </a:solidFill>
+                <a:latin typeface="Consolas" panose="020B0609020204030204" pitchFamily="49" charset="0"/>
+                <a:ea typeface="宋体" panose="02010600030101010101" pitchFamily="2" charset="-122"/>
+              </a:rPr>
+              <a:t>();   		</a:t>
+            </a:r>
+            <a:r>
+              <a:rPr lang="en-US" altLang="zh-CN" sz="1800" b="0" i="0" u="none" strike="noStrike" baseline="0">
                 <a:solidFill>
                   <a:srgbClr val="E63A79"/>
                 </a:solidFill>
                 <a:latin typeface="Consolas" panose="020B0609020204030204" pitchFamily="49" charset="0"/>
                 <a:ea typeface="宋体" panose="02010600030101010101" pitchFamily="2" charset="-122"/>
               </a:rPr>
-              <a:t>// Success, print “B”</a:t>
+              <a:t>// </a:t>
+            </a:r>
+            <a:r>
+              <a:rPr lang="en-US" altLang="zh-CN" sz="1800" b="0" i="0" u="none" strike="noStrike" baseline="0" dirty="0">
+                <a:solidFill>
+                  <a:srgbClr val="E63A79"/>
+                </a:solidFill>
+                <a:latin typeface="Consolas" panose="020B0609020204030204" pitchFamily="49" charset="0"/>
+                <a:ea typeface="宋体" panose="02010600030101010101" pitchFamily="2" charset="-122"/>
+              </a:rPr>
+              <a:t>Success, print “B”</a:t>
             </a:r>
             <a:endParaRPr lang="en-US" altLang="zh-CN" sz="1800" b="0" i="0" u="none" strike="noStrike" baseline="0" dirty="0">
               <a:solidFill>
@@ -7490,6 +7501,1999 @@
           <p:cNvPr id="2" name="文本框 1">
             <a:extLst>
               <a:ext uri="{FF2B5EF4-FFF2-40B4-BE49-F238E27FC236}">
+                <a16:creationId xmlns:a16="http://schemas.microsoft.com/office/drawing/2014/main" id="{60E7ED0A-1378-293F-78ED-07EF7B2E3046}"/>
+              </a:ext>
+            </a:extLst>
+          </p:cNvPr>
+          <p:cNvSpPr txBox="1"/>
+          <p:nvPr/>
+        </p:nvSpPr>
+        <p:spPr>
+          <a:xfrm>
+            <a:off x="1" y="0"/>
+            <a:ext cx="7177548" cy="5909310"/>
+          </a:xfrm>
+          <a:prstGeom prst="rect">
+            <a:avLst/>
+          </a:prstGeom>
+          <a:noFill/>
+        </p:spPr>
+        <p:txBody>
+          <a:bodyPr wrap="square" rtlCol="0">
+            <a:spAutoFit/>
+          </a:bodyPr>
+          <a:lstStyle/>
+          <a:p>
+            <a:pPr marR="0" algn="l" rtl="0"/>
+            <a:r>
+              <a:rPr lang="en-US" altLang="zh-CN" sz="1800" b="0" i="0" u="none" strike="noStrike" baseline="0" dirty="0">
+                <a:solidFill>
+                  <a:srgbClr val="6D95CC"/>
+                </a:solidFill>
+                <a:latin typeface="Consolas" panose="020B0609020204030204" pitchFamily="49" charset="0"/>
+                <a:ea typeface="宋体" panose="02010600030101010101" pitchFamily="2" charset="-122"/>
+              </a:rPr>
+              <a:t>static</a:t>
+            </a:r>
+            <a:r>
+              <a:rPr lang="en-US" altLang="zh-CN" sz="1800" b="0" i="0" u="none" strike="noStrike" baseline="0" dirty="0">
+                <a:solidFill>
+                  <a:srgbClr val="BEB8B0"/>
+                </a:solidFill>
+                <a:latin typeface="Consolas" panose="020B0609020204030204" pitchFamily="49" charset="0"/>
+                <a:ea typeface="宋体" panose="02010600030101010101" pitchFamily="2" charset="-122"/>
+              </a:rPr>
+              <a:t> </a:t>
+            </a:r>
+            <a:r>
+              <a:rPr lang="en-US" altLang="zh-CN" sz="1800" b="0" i="0" u="none" strike="noStrike" baseline="0" dirty="0">
+                <a:solidFill>
+                  <a:srgbClr val="6D95CC"/>
+                </a:solidFill>
+                <a:latin typeface="Consolas" panose="020B0609020204030204" pitchFamily="49" charset="0"/>
+                <a:ea typeface="宋体" panose="02010600030101010101" pitchFamily="2" charset="-122"/>
+              </a:rPr>
+              <a:t>void</a:t>
+            </a:r>
+            <a:r>
+              <a:rPr lang="en-US" altLang="zh-CN" sz="1800" b="0" i="0" u="none" strike="noStrike" baseline="0" dirty="0">
+                <a:solidFill>
+                  <a:srgbClr val="BEB8B0"/>
+                </a:solidFill>
+                <a:latin typeface="Consolas" panose="020B0609020204030204" pitchFamily="49" charset="0"/>
+                <a:ea typeface="宋体" panose="02010600030101010101" pitchFamily="2" charset="-122"/>
+              </a:rPr>
+              <a:t> </a:t>
+            </a:r>
+            <a:r>
+              <a:rPr lang="en-US" altLang="zh-CN" sz="1800" b="0" i="0" u="none" strike="noStrike" baseline="0" dirty="0" err="1">
+                <a:solidFill>
+                  <a:srgbClr val="BEB8B0"/>
+                </a:solidFill>
+                <a:latin typeface="Consolas" panose="020B0609020204030204" pitchFamily="49" charset="0"/>
+                <a:ea typeface="宋体" panose="02010600030101010101" pitchFamily="2" charset="-122"/>
+              </a:rPr>
+              <a:t>ask_change_stu</a:t>
+            </a:r>
+            <a:r>
+              <a:rPr lang="en-US" altLang="zh-CN" sz="1800" b="0" i="0" u="none" strike="noStrike" baseline="0" dirty="0">
+                <a:solidFill>
+                  <a:srgbClr val="BEB8B0"/>
+                </a:solidFill>
+                <a:latin typeface="Consolas" panose="020B0609020204030204" pitchFamily="49" charset="0"/>
+                <a:ea typeface="宋体" panose="02010600030101010101" pitchFamily="2" charset="-122"/>
+              </a:rPr>
+              <a:t>(</a:t>
+            </a:r>
+            <a:r>
+              <a:rPr lang="en-US" altLang="zh-CN" sz="1800" b="0" i="0" u="none" strike="noStrike" baseline="0" dirty="0" err="1">
+                <a:solidFill>
+                  <a:srgbClr val="C85ADA"/>
+                </a:solidFill>
+                <a:latin typeface="Consolas" panose="020B0609020204030204" pitchFamily="49" charset="0"/>
+                <a:ea typeface="宋体" panose="02010600030101010101" pitchFamily="2" charset="-122"/>
+              </a:rPr>
+              <a:t>VIP_gradeMath</a:t>
+            </a:r>
+            <a:r>
+              <a:rPr lang="en-US" altLang="zh-CN" sz="1800" b="0" i="0" u="none" strike="noStrike" baseline="0" dirty="0">
+                <a:solidFill>
+                  <a:srgbClr val="BEB8B0"/>
+                </a:solidFill>
+                <a:latin typeface="Consolas" panose="020B0609020204030204" pitchFamily="49" charset="0"/>
+                <a:ea typeface="宋体" panose="02010600030101010101" pitchFamily="2" charset="-122"/>
+              </a:rPr>
+              <a:t> </a:t>
+            </a:r>
+            <a:r>
+              <a:rPr lang="en-US" altLang="zh-CN" sz="1800" b="0" i="0" u="none" strike="noStrike" baseline="0" dirty="0" err="1">
+                <a:solidFill>
+                  <a:srgbClr val="BEB8B0"/>
+                </a:solidFill>
+                <a:latin typeface="Consolas" panose="020B0609020204030204" pitchFamily="49" charset="0"/>
+                <a:ea typeface="宋体" panose="02010600030101010101" pitchFamily="2" charset="-122"/>
+              </a:rPr>
+              <a:t>choosed</a:t>
+            </a:r>
+            <a:r>
+              <a:rPr lang="en-US" altLang="zh-CN" sz="1800" b="0" i="0" u="none" strike="noStrike" baseline="0" dirty="0">
+                <a:solidFill>
+                  <a:srgbClr val="BEB8B0"/>
+                </a:solidFill>
+                <a:latin typeface="Consolas" panose="020B0609020204030204" pitchFamily="49" charset="0"/>
+                <a:ea typeface="宋体" panose="02010600030101010101" pitchFamily="2" charset="-122"/>
+              </a:rPr>
+              <a:t>)</a:t>
+            </a:r>
+          </a:p>
+          <a:p>
+            <a:pPr marR="0" algn="l" rtl="0"/>
+            <a:r>
+              <a:rPr lang="en-US" altLang="zh-CN" sz="1800" b="0" i="0" u="none" strike="noStrike" baseline="0" dirty="0">
+                <a:solidFill>
+                  <a:srgbClr val="BEB8B0"/>
+                </a:solidFill>
+                <a:latin typeface="Consolas" panose="020B0609020204030204" pitchFamily="49" charset="0"/>
+                <a:ea typeface="宋体" panose="02010600030101010101" pitchFamily="2" charset="-122"/>
+              </a:rPr>
+              <a:t>{</a:t>
+            </a:r>
+          </a:p>
+          <a:p>
+            <a:pPr marR="0" algn="l" rtl="0"/>
+            <a:r>
+              <a:rPr lang="en-US" altLang="zh-CN" sz="1800" b="0" i="0" u="none" strike="noStrike" baseline="0" dirty="0">
+                <a:solidFill>
+                  <a:srgbClr val="BEB8B0"/>
+                </a:solidFill>
+                <a:latin typeface="Consolas" panose="020B0609020204030204" pitchFamily="49" charset="0"/>
+                <a:ea typeface="宋体" panose="02010600030101010101" pitchFamily="2" charset="-122"/>
+              </a:rPr>
+              <a:t>    </a:t>
+            </a:r>
+            <a:r>
+              <a:rPr lang="en-US" altLang="zh-CN" sz="1800" b="0" i="0" u="none" strike="noStrike" baseline="0" dirty="0">
+                <a:solidFill>
+                  <a:srgbClr val="C85ADA"/>
+                </a:solidFill>
+                <a:latin typeface="Consolas" panose="020B0609020204030204" pitchFamily="49" charset="0"/>
+                <a:ea typeface="宋体" panose="02010600030101010101" pitchFamily="2" charset="-122"/>
+              </a:rPr>
+              <a:t>...</a:t>
+            </a:r>
+            <a:endParaRPr lang="en-US" altLang="zh-CN" sz="1800" b="0" i="0" u="none" strike="noStrike" baseline="0" dirty="0">
+              <a:solidFill>
+                <a:srgbClr val="BEB8B0"/>
+              </a:solidFill>
+              <a:latin typeface="Consolas" panose="020B0609020204030204" pitchFamily="49" charset="0"/>
+              <a:ea typeface="宋体" panose="02010600030101010101" pitchFamily="2" charset="-122"/>
+            </a:endParaRPr>
+          </a:p>
+          <a:p>
+            <a:pPr marR="0" algn="l" rtl="0"/>
+            <a:r>
+              <a:rPr lang="en-US" altLang="zh-CN" sz="1800" b="0" i="0" u="none" strike="noStrike" baseline="0" dirty="0">
+                <a:solidFill>
+                  <a:srgbClr val="BEB8B0"/>
+                </a:solidFill>
+                <a:latin typeface="Consolas" panose="020B0609020204030204" pitchFamily="49" charset="0"/>
+                <a:ea typeface="宋体" panose="02010600030101010101" pitchFamily="2" charset="-122"/>
+              </a:rPr>
+              <a:t>    </a:t>
+            </a:r>
+            <a:r>
+              <a:rPr lang="en-US" altLang="zh-CN" sz="1800" b="0" i="0" u="none" strike="noStrike" baseline="0" dirty="0">
+                <a:solidFill>
+                  <a:srgbClr val="6D95CC"/>
+                </a:solidFill>
+                <a:latin typeface="Consolas" panose="020B0609020204030204" pitchFamily="49" charset="0"/>
+                <a:ea typeface="宋体" panose="02010600030101010101" pitchFamily="2" charset="-122"/>
+              </a:rPr>
+              <a:t>var</a:t>
+            </a:r>
+            <a:r>
+              <a:rPr lang="en-US" altLang="zh-CN" sz="1800" b="0" i="0" u="none" strike="noStrike" baseline="0" dirty="0">
+                <a:solidFill>
+                  <a:srgbClr val="BEB8B0"/>
+                </a:solidFill>
+                <a:latin typeface="Consolas" panose="020B0609020204030204" pitchFamily="49" charset="0"/>
+                <a:ea typeface="宋体" panose="02010600030101010101" pitchFamily="2" charset="-122"/>
+              </a:rPr>
+              <a:t> s1 = ask1(</a:t>
+            </a:r>
+            <a:r>
+              <a:rPr lang="en-US" altLang="zh-CN" sz="1800" b="0" i="0" u="none" strike="noStrike" baseline="0" dirty="0" err="1">
+                <a:solidFill>
+                  <a:srgbClr val="BEB8B0"/>
+                </a:solidFill>
+                <a:latin typeface="Consolas" panose="020B0609020204030204" pitchFamily="49" charset="0"/>
+                <a:ea typeface="宋体" panose="02010600030101010101" pitchFamily="2" charset="-122"/>
+              </a:rPr>
+              <a:t>choosed</a:t>
+            </a:r>
+            <a:r>
+              <a:rPr lang="en-US" altLang="zh-CN" sz="1800" b="0" i="0" u="none" strike="noStrike" baseline="0" dirty="0">
+                <a:solidFill>
+                  <a:srgbClr val="BEB8B0"/>
+                </a:solidFill>
+                <a:latin typeface="Consolas" panose="020B0609020204030204" pitchFamily="49" charset="0"/>
+                <a:ea typeface="宋体" panose="02010600030101010101" pitchFamily="2" charset="-122"/>
+              </a:rPr>
+              <a:t>, </a:t>
+            </a:r>
+            <a:r>
+              <a:rPr lang="en-US" altLang="zh-CN" sz="1800" b="0" i="0" u="none" strike="noStrike" baseline="0" dirty="0">
+                <a:solidFill>
+                  <a:srgbClr val="6D95CC"/>
+                </a:solidFill>
+                <a:latin typeface="Consolas" panose="020B0609020204030204" pitchFamily="49" charset="0"/>
+                <a:ea typeface="宋体" panose="02010600030101010101" pitchFamily="2" charset="-122"/>
+              </a:rPr>
+              <a:t>true</a:t>
+            </a:r>
+            <a:r>
+              <a:rPr lang="en-US" altLang="zh-CN" sz="1800" b="0" i="0" u="none" strike="noStrike" baseline="0" dirty="0">
+                <a:solidFill>
+                  <a:srgbClr val="BEB8B0"/>
+                </a:solidFill>
+                <a:latin typeface="Consolas" panose="020B0609020204030204" pitchFamily="49" charset="0"/>
+                <a:ea typeface="宋体" panose="02010600030101010101" pitchFamily="2" charset="-122"/>
+              </a:rPr>
+              <a:t>);</a:t>
+            </a:r>
+          </a:p>
+          <a:p>
+            <a:pPr marR="0" algn="l" rtl="0"/>
+            <a:r>
+              <a:rPr lang="en-US" altLang="zh-CN" sz="1800" b="0" i="0" u="none" strike="noStrike" baseline="0" dirty="0">
+                <a:solidFill>
+                  <a:srgbClr val="BEB8B0"/>
+                </a:solidFill>
+                <a:latin typeface="Consolas" panose="020B0609020204030204" pitchFamily="49" charset="0"/>
+                <a:ea typeface="宋体" panose="02010600030101010101" pitchFamily="2" charset="-122"/>
+              </a:rPr>
+              <a:t>    </a:t>
+            </a:r>
+            <a:r>
+              <a:rPr lang="en-US" altLang="zh-CN" sz="1800" b="0" i="0" u="none" strike="noStrike" baseline="0" dirty="0">
+                <a:solidFill>
+                  <a:srgbClr val="6D95CC"/>
+                </a:solidFill>
+                <a:latin typeface="Consolas" panose="020B0609020204030204" pitchFamily="49" charset="0"/>
+                <a:ea typeface="宋体" panose="02010600030101010101" pitchFamily="2" charset="-122"/>
+              </a:rPr>
+              <a:t>var</a:t>
+            </a:r>
+            <a:r>
+              <a:rPr lang="en-US" altLang="zh-CN" sz="1800" b="0" i="0" u="none" strike="noStrike" baseline="0" dirty="0">
+                <a:solidFill>
+                  <a:srgbClr val="BEB8B0"/>
+                </a:solidFill>
+                <a:latin typeface="Consolas" panose="020B0609020204030204" pitchFamily="49" charset="0"/>
+                <a:ea typeface="宋体" panose="02010600030101010101" pitchFamily="2" charset="-122"/>
+              </a:rPr>
+              <a:t> s2 = ask2(</a:t>
+            </a:r>
+            <a:r>
+              <a:rPr lang="en-US" altLang="zh-CN" sz="1800" b="0" i="0" u="none" strike="noStrike" baseline="0" dirty="0" err="1">
+                <a:solidFill>
+                  <a:srgbClr val="BEB8B0"/>
+                </a:solidFill>
+                <a:latin typeface="Consolas" panose="020B0609020204030204" pitchFamily="49" charset="0"/>
+                <a:ea typeface="宋体" panose="02010600030101010101" pitchFamily="2" charset="-122"/>
+              </a:rPr>
+              <a:t>choosed</a:t>
+            </a:r>
+            <a:r>
+              <a:rPr lang="en-US" altLang="zh-CN" sz="1800" b="0" i="0" u="none" strike="noStrike" baseline="0" dirty="0">
+                <a:solidFill>
+                  <a:srgbClr val="BEB8B0"/>
+                </a:solidFill>
+                <a:latin typeface="Consolas" panose="020B0609020204030204" pitchFamily="49" charset="0"/>
+                <a:ea typeface="宋体" panose="02010600030101010101" pitchFamily="2" charset="-122"/>
+              </a:rPr>
+              <a:t>);</a:t>
+            </a:r>
+          </a:p>
+          <a:p>
+            <a:pPr marR="0" algn="l" rtl="0"/>
+            <a:r>
+              <a:rPr lang="en-US" altLang="zh-CN" sz="1800" b="0" i="0" u="none" strike="noStrike" baseline="0" dirty="0">
+                <a:solidFill>
+                  <a:srgbClr val="BEB8B0"/>
+                </a:solidFill>
+                <a:latin typeface="Consolas" panose="020B0609020204030204" pitchFamily="49" charset="0"/>
+                <a:ea typeface="宋体" panose="02010600030101010101" pitchFamily="2" charset="-122"/>
+              </a:rPr>
+              <a:t>    </a:t>
+            </a:r>
+            <a:r>
+              <a:rPr lang="en-US" altLang="zh-CN" sz="1800" b="0" i="0" u="none" strike="noStrike" baseline="0" dirty="0">
+                <a:solidFill>
+                  <a:srgbClr val="6D95CC"/>
+                </a:solidFill>
+                <a:latin typeface="Consolas" panose="020B0609020204030204" pitchFamily="49" charset="0"/>
+                <a:ea typeface="宋体" panose="02010600030101010101" pitchFamily="2" charset="-122"/>
+              </a:rPr>
+              <a:t>var</a:t>
+            </a:r>
+            <a:r>
+              <a:rPr lang="en-US" altLang="zh-CN" sz="1800" b="0" i="0" u="none" strike="noStrike" baseline="0" dirty="0">
+                <a:solidFill>
+                  <a:srgbClr val="BEB8B0"/>
+                </a:solidFill>
+                <a:latin typeface="Consolas" panose="020B0609020204030204" pitchFamily="49" charset="0"/>
+                <a:ea typeface="宋体" panose="02010600030101010101" pitchFamily="2" charset="-122"/>
+              </a:rPr>
+              <a:t> s3 = ask1((</a:t>
+            </a:r>
+            <a:r>
+              <a:rPr lang="en-US" altLang="zh-CN" sz="1800" b="0" i="0" u="none" strike="noStrike" baseline="0" dirty="0" err="1">
+                <a:solidFill>
+                  <a:srgbClr val="C85ADA"/>
+                </a:solidFill>
+                <a:latin typeface="Consolas" panose="020B0609020204030204" pitchFamily="49" charset="0"/>
+                <a:ea typeface="宋体" panose="02010600030101010101" pitchFamily="2" charset="-122"/>
+              </a:rPr>
+              <a:t>VIP_gradeMath</a:t>
+            </a:r>
+            <a:r>
+              <a:rPr lang="en-US" altLang="zh-CN" sz="1800" b="0" i="0" u="none" strike="noStrike" baseline="0" dirty="0">
+                <a:solidFill>
+                  <a:srgbClr val="BEB8B0"/>
+                </a:solidFill>
+                <a:latin typeface="Consolas" panose="020B0609020204030204" pitchFamily="49" charset="0"/>
+                <a:ea typeface="宋体" panose="02010600030101010101" pitchFamily="2" charset="-122"/>
+              </a:rPr>
+              <a:t>)</a:t>
+            </a:r>
+            <a:r>
+              <a:rPr lang="en-US" altLang="zh-CN" sz="1800" b="0" i="0" u="none" strike="noStrike" baseline="0" dirty="0" err="1">
+                <a:solidFill>
+                  <a:srgbClr val="BEB8B0"/>
+                </a:solidFill>
+                <a:latin typeface="Consolas" panose="020B0609020204030204" pitchFamily="49" charset="0"/>
+                <a:ea typeface="宋体" panose="02010600030101010101" pitchFamily="2" charset="-122"/>
+              </a:rPr>
+              <a:t>map.get</a:t>
+            </a:r>
+            <a:r>
+              <a:rPr lang="en-US" altLang="zh-CN" sz="1800" b="0" i="0" u="none" strike="noStrike" baseline="0" dirty="0">
+                <a:solidFill>
+                  <a:srgbClr val="BEB8B0"/>
+                </a:solidFill>
+                <a:latin typeface="Consolas" panose="020B0609020204030204" pitchFamily="49" charset="0"/>
+                <a:ea typeface="宋体" panose="02010600030101010101" pitchFamily="2" charset="-122"/>
+              </a:rPr>
+              <a:t>(s2), </a:t>
+            </a:r>
+            <a:r>
+              <a:rPr lang="en-US" altLang="zh-CN" sz="1800" b="0" i="0" u="none" strike="noStrike" baseline="0" dirty="0">
+                <a:solidFill>
+                  <a:srgbClr val="6D95CC"/>
+                </a:solidFill>
+                <a:latin typeface="Consolas" panose="020B0609020204030204" pitchFamily="49" charset="0"/>
+                <a:ea typeface="宋体" panose="02010600030101010101" pitchFamily="2" charset="-122"/>
+              </a:rPr>
+              <a:t>false</a:t>
+            </a:r>
+            <a:r>
+              <a:rPr lang="en-US" altLang="zh-CN" sz="1800" b="0" i="0" u="none" strike="noStrike" baseline="0" dirty="0">
+                <a:solidFill>
+                  <a:srgbClr val="BEB8B0"/>
+                </a:solidFill>
+                <a:latin typeface="Consolas" panose="020B0609020204030204" pitchFamily="49" charset="0"/>
+                <a:ea typeface="宋体" panose="02010600030101010101" pitchFamily="2" charset="-122"/>
+              </a:rPr>
+              <a:t>);</a:t>
+            </a:r>
+          </a:p>
+          <a:p>
+            <a:pPr marR="0" algn="l" rtl="0"/>
+            <a:r>
+              <a:rPr lang="en-US" altLang="zh-CN" sz="1800" b="0" i="0" u="none" strike="noStrike" baseline="0" dirty="0">
+                <a:solidFill>
+                  <a:srgbClr val="BEB8B0"/>
+                </a:solidFill>
+                <a:latin typeface="Consolas" panose="020B0609020204030204" pitchFamily="49" charset="0"/>
+                <a:ea typeface="宋体" panose="02010600030101010101" pitchFamily="2" charset="-122"/>
+              </a:rPr>
+              <a:t>    ...</a:t>
+            </a:r>
+            <a:endParaRPr lang="en-US" altLang="zh-CN" sz="1800" b="0" i="0" u="none" strike="noStrike" baseline="0" dirty="0">
+              <a:solidFill>
+                <a:srgbClr val="6D95CC"/>
+              </a:solidFill>
+              <a:latin typeface="Consolas" panose="020B0609020204030204" pitchFamily="49" charset="0"/>
+              <a:ea typeface="宋体" panose="02010600030101010101" pitchFamily="2" charset="-122"/>
+            </a:endParaRPr>
+          </a:p>
+          <a:p>
+            <a:pPr marR="0" algn="l" rtl="0"/>
+            <a:r>
+              <a:rPr lang="en-US" altLang="zh-CN" sz="1800" b="0" i="0" u="none" strike="noStrike" baseline="0" dirty="0">
+                <a:solidFill>
+                  <a:srgbClr val="BEB8B0"/>
+                </a:solidFill>
+                <a:latin typeface="Consolas" panose="020B0609020204030204" pitchFamily="49" charset="0"/>
+                <a:ea typeface="宋体" panose="02010600030101010101" pitchFamily="2" charset="-122"/>
+              </a:rPr>
+              <a:t>}</a:t>
+            </a:r>
+          </a:p>
+          <a:p>
+            <a:pPr marR="0" algn="l" rtl="0"/>
+            <a:r>
+              <a:rPr lang="en-US" altLang="zh-CN" sz="1800" b="0" i="0" u="none" strike="noStrike" baseline="0" dirty="0">
+                <a:solidFill>
+                  <a:srgbClr val="6D95CC"/>
+                </a:solidFill>
+                <a:latin typeface="Consolas" panose="020B0609020204030204" pitchFamily="49" charset="0"/>
+                <a:ea typeface="宋体" panose="02010600030101010101" pitchFamily="2" charset="-122"/>
+              </a:rPr>
+              <a:t>static</a:t>
+            </a:r>
+            <a:r>
+              <a:rPr lang="en-US" altLang="zh-CN" sz="1800" b="0" i="0" u="none" strike="noStrike" baseline="0" dirty="0">
+                <a:solidFill>
+                  <a:srgbClr val="BEB8B0"/>
+                </a:solidFill>
+                <a:latin typeface="Consolas" panose="020B0609020204030204" pitchFamily="49" charset="0"/>
+                <a:ea typeface="宋体" panose="02010600030101010101" pitchFamily="2" charset="-122"/>
+              </a:rPr>
+              <a:t> </a:t>
+            </a:r>
+            <a:r>
+              <a:rPr lang="en-US" altLang="zh-CN" sz="1800" b="0" i="0" u="none" strike="noStrike" baseline="0" dirty="0">
+                <a:solidFill>
+                  <a:srgbClr val="C85ADA"/>
+                </a:solidFill>
+                <a:latin typeface="Consolas" panose="020B0609020204030204" pitchFamily="49" charset="0"/>
+                <a:ea typeface="宋体" panose="02010600030101010101" pitchFamily="2" charset="-122"/>
+              </a:rPr>
+              <a:t>String</a:t>
+            </a:r>
+            <a:r>
+              <a:rPr lang="en-US" altLang="zh-CN" sz="1800" b="0" i="0" u="none" strike="noStrike" baseline="0" dirty="0">
+                <a:solidFill>
+                  <a:srgbClr val="BEB8B0"/>
+                </a:solidFill>
+                <a:latin typeface="Consolas" panose="020B0609020204030204" pitchFamily="49" charset="0"/>
+                <a:ea typeface="宋体" panose="02010600030101010101" pitchFamily="2" charset="-122"/>
+              </a:rPr>
+              <a:t> ask1(</a:t>
+            </a:r>
+            <a:r>
+              <a:rPr lang="en-US" altLang="zh-CN" sz="1800" b="0" i="0" u="none" strike="noStrike" baseline="0" dirty="0" err="1">
+                <a:solidFill>
+                  <a:srgbClr val="C85ADA"/>
+                </a:solidFill>
+                <a:latin typeface="Consolas" panose="020B0609020204030204" pitchFamily="49" charset="0"/>
+                <a:ea typeface="宋体" panose="02010600030101010101" pitchFamily="2" charset="-122"/>
+              </a:rPr>
+              <a:t>VIP_gradeMath</a:t>
+            </a:r>
+            <a:r>
+              <a:rPr lang="en-US" altLang="zh-CN" sz="1800" b="0" i="0" u="none" strike="noStrike" baseline="0" dirty="0">
+                <a:solidFill>
+                  <a:srgbClr val="BEB8B0"/>
+                </a:solidFill>
+                <a:latin typeface="Consolas" panose="020B0609020204030204" pitchFamily="49" charset="0"/>
+                <a:ea typeface="宋体" panose="02010600030101010101" pitchFamily="2" charset="-122"/>
+              </a:rPr>
+              <a:t> </a:t>
+            </a:r>
+            <a:r>
+              <a:rPr lang="en-US" altLang="zh-CN" sz="1800" b="0" i="0" u="none" strike="noStrike" baseline="0" dirty="0" err="1">
+                <a:solidFill>
+                  <a:srgbClr val="BEB8B0"/>
+                </a:solidFill>
+                <a:latin typeface="Consolas" panose="020B0609020204030204" pitchFamily="49" charset="0"/>
+                <a:ea typeface="宋体" panose="02010600030101010101" pitchFamily="2" charset="-122"/>
+              </a:rPr>
+              <a:t>choosed</a:t>
+            </a:r>
+            <a:r>
+              <a:rPr lang="en-US" altLang="zh-CN" sz="1800" b="0" i="0" u="none" strike="noStrike" baseline="0" dirty="0">
+                <a:solidFill>
+                  <a:srgbClr val="BEB8B0"/>
+                </a:solidFill>
+                <a:latin typeface="Consolas" panose="020B0609020204030204" pitchFamily="49" charset="0"/>
+                <a:ea typeface="宋体" panose="02010600030101010101" pitchFamily="2" charset="-122"/>
+              </a:rPr>
+              <a:t>, </a:t>
+            </a:r>
+            <a:r>
+              <a:rPr lang="en-US" altLang="zh-CN" sz="1800" b="0" i="0" u="none" strike="noStrike" baseline="0" dirty="0">
+                <a:solidFill>
+                  <a:srgbClr val="C85ADA"/>
+                </a:solidFill>
+                <a:latin typeface="Consolas" panose="020B0609020204030204" pitchFamily="49" charset="0"/>
+                <a:ea typeface="宋体" panose="02010600030101010101" pitchFamily="2" charset="-122"/>
+              </a:rPr>
+              <a:t>Boolean</a:t>
+            </a:r>
+            <a:r>
+              <a:rPr lang="en-US" altLang="zh-CN" sz="1800" b="0" i="0" u="none" strike="noStrike" baseline="0" dirty="0">
+                <a:solidFill>
+                  <a:srgbClr val="BEB8B0"/>
+                </a:solidFill>
+                <a:latin typeface="Consolas" panose="020B0609020204030204" pitchFamily="49" charset="0"/>
+                <a:ea typeface="宋体" panose="02010600030101010101" pitchFamily="2" charset="-122"/>
+              </a:rPr>
+              <a:t> </a:t>
+            </a:r>
+            <a:r>
+              <a:rPr lang="en-US" altLang="zh-CN" sz="1800" b="0" i="0" u="none" strike="noStrike" baseline="0" dirty="0" err="1">
+                <a:solidFill>
+                  <a:srgbClr val="BEB8B0"/>
+                </a:solidFill>
+                <a:latin typeface="Consolas" panose="020B0609020204030204" pitchFamily="49" charset="0"/>
+                <a:ea typeface="宋体" panose="02010600030101010101" pitchFamily="2" charset="-122"/>
+              </a:rPr>
+              <a:t>isout</a:t>
+            </a:r>
+            <a:r>
+              <a:rPr lang="en-US" altLang="zh-CN" sz="1800" b="0" i="0" u="none" strike="noStrike" baseline="0" dirty="0">
+                <a:solidFill>
+                  <a:srgbClr val="BEB8B0"/>
+                </a:solidFill>
+                <a:latin typeface="Consolas" panose="020B0609020204030204" pitchFamily="49" charset="0"/>
+                <a:ea typeface="宋体" panose="02010600030101010101" pitchFamily="2" charset="-122"/>
+              </a:rPr>
+              <a:t>)</a:t>
+            </a:r>
+          </a:p>
+          <a:p>
+            <a:pPr marR="0" algn="l" rtl="0"/>
+            <a:r>
+              <a:rPr lang="en-US" altLang="zh-CN" sz="1800" b="0" i="0" u="none" strike="noStrike" baseline="0" dirty="0">
+                <a:solidFill>
+                  <a:srgbClr val="BEB8B0"/>
+                </a:solidFill>
+                <a:latin typeface="Consolas" panose="020B0609020204030204" pitchFamily="49" charset="0"/>
+                <a:ea typeface="宋体" panose="02010600030101010101" pitchFamily="2" charset="-122"/>
+              </a:rPr>
+              <a:t>{</a:t>
+            </a:r>
+          </a:p>
+          <a:p>
+            <a:pPr marR="0" algn="l" rtl="0"/>
+            <a:r>
+              <a:rPr lang="zh-CN" altLang="en-US" sz="1800" b="0" i="0" u="none" strike="noStrike" baseline="0" dirty="0">
+                <a:solidFill>
+                  <a:srgbClr val="BEB8B0"/>
+                </a:solidFill>
+                <a:latin typeface="Consolas" panose="020B0609020204030204" pitchFamily="49" charset="0"/>
+                <a:ea typeface="宋体" panose="02010600030101010101" pitchFamily="2" charset="-122"/>
+              </a:rPr>
+              <a:t>    </a:t>
+            </a:r>
+            <a:r>
+              <a:rPr lang="en-US" altLang="zh-CN" sz="1800" b="0" i="0" u="none" strike="noStrike" baseline="0" dirty="0" err="1">
+                <a:solidFill>
+                  <a:srgbClr val="C85ADA"/>
+                </a:solidFill>
+                <a:latin typeface="Consolas" panose="020B0609020204030204" pitchFamily="49" charset="0"/>
+                <a:ea typeface="宋体" panose="02010600030101010101" pitchFamily="2" charset="-122"/>
+              </a:rPr>
+              <a:t>System</a:t>
+            </a:r>
+            <a:r>
+              <a:rPr lang="en-US" altLang="zh-CN" sz="1800" b="0" i="0" u="none" strike="noStrike" baseline="0" dirty="0" err="1">
+                <a:solidFill>
+                  <a:srgbClr val="BEB8B0"/>
+                </a:solidFill>
+                <a:latin typeface="Consolas" panose="020B0609020204030204" pitchFamily="49" charset="0"/>
+                <a:ea typeface="宋体" panose="02010600030101010101" pitchFamily="2" charset="-122"/>
+              </a:rPr>
+              <a:t>.out.println</a:t>
+            </a:r>
+            <a:r>
+              <a:rPr lang="en-US" altLang="zh-CN" sz="1800" b="0" i="0" u="none" strike="noStrike" baseline="0" dirty="0">
+                <a:solidFill>
+                  <a:srgbClr val="BEB8B0"/>
+                </a:solidFill>
+                <a:latin typeface="Consolas" panose="020B0609020204030204" pitchFamily="49" charset="0"/>
+                <a:ea typeface="宋体" panose="02010600030101010101" pitchFamily="2" charset="-122"/>
+              </a:rPr>
+              <a:t>(</a:t>
+            </a:r>
+            <a:r>
+              <a:rPr lang="en-US" altLang="zh-CN" sz="1800" b="0" i="0" u="none" strike="noStrike" baseline="0" dirty="0">
+                <a:solidFill>
+                  <a:srgbClr val="77C97B"/>
+                </a:solidFill>
+                <a:latin typeface="Consolas" panose="020B0609020204030204" pitchFamily="49" charset="0"/>
+                <a:ea typeface="宋体" panose="02010600030101010101" pitchFamily="2" charset="-122"/>
+              </a:rPr>
+              <a:t>"</a:t>
+            </a:r>
+            <a:r>
+              <a:rPr lang="zh-CN" altLang="en-US" sz="1800" b="0" i="0" u="none" strike="noStrike" baseline="0" dirty="0">
+                <a:solidFill>
+                  <a:srgbClr val="77C97B"/>
+                </a:solidFill>
+                <a:latin typeface="Consolas" panose="020B0609020204030204" pitchFamily="49" charset="0"/>
+                <a:ea typeface="宋体" panose="02010600030101010101" pitchFamily="2" charset="-122"/>
+              </a:rPr>
+              <a:t>请输入转</a:t>
+            </a:r>
+            <a:r>
+              <a:rPr lang="en-US" altLang="zh-CN" sz="1800" b="0" i="0" u="none" strike="noStrike" baseline="0" dirty="0">
+                <a:solidFill>
+                  <a:srgbClr val="77C97B"/>
+                </a:solidFill>
+                <a:latin typeface="Consolas" panose="020B0609020204030204" pitchFamily="49" charset="0"/>
+                <a:ea typeface="宋体" panose="02010600030101010101" pitchFamily="2" charset="-122"/>
+              </a:rPr>
+              <a:t>"</a:t>
+            </a:r>
+            <a:r>
+              <a:rPr lang="zh-CN" altLang="en-US" sz="1800" b="0" i="0" u="none" strike="noStrike" baseline="0" dirty="0">
+                <a:solidFill>
+                  <a:srgbClr val="BEB8B0"/>
+                </a:solidFill>
+                <a:latin typeface="Consolas" panose="020B0609020204030204" pitchFamily="49" charset="0"/>
+                <a:ea typeface="宋体" panose="02010600030101010101" pitchFamily="2" charset="-122"/>
+              </a:rPr>
+              <a:t> </a:t>
+            </a:r>
+            <a:r>
+              <a:rPr lang="en-US" altLang="zh-CN" sz="1800" b="0" i="0" u="none" strike="noStrike" baseline="0" dirty="0">
+                <a:solidFill>
+                  <a:srgbClr val="BEB8B0"/>
+                </a:solidFill>
+                <a:latin typeface="Consolas" panose="020B0609020204030204" pitchFamily="49" charset="0"/>
+                <a:ea typeface="宋体" panose="02010600030101010101" pitchFamily="2" charset="-122"/>
+              </a:rPr>
+              <a:t>+ (</a:t>
+            </a:r>
+            <a:r>
+              <a:rPr lang="en-US" altLang="zh-CN" sz="1800" b="0" i="0" u="none" strike="noStrike" baseline="0" dirty="0" err="1">
+                <a:solidFill>
+                  <a:srgbClr val="BEB8B0"/>
+                </a:solidFill>
+                <a:latin typeface="Consolas" panose="020B0609020204030204" pitchFamily="49" charset="0"/>
+                <a:ea typeface="宋体" panose="02010600030101010101" pitchFamily="2" charset="-122"/>
+              </a:rPr>
+              <a:t>isout</a:t>
+            </a:r>
+            <a:r>
+              <a:rPr lang="en-US" altLang="zh-CN" sz="1800" b="0" i="0" u="none" strike="noStrike" baseline="0" dirty="0">
+                <a:solidFill>
+                  <a:srgbClr val="BEB8B0"/>
+                </a:solidFill>
+                <a:latin typeface="Consolas" panose="020B0609020204030204" pitchFamily="49" charset="0"/>
+                <a:ea typeface="宋体" panose="02010600030101010101" pitchFamily="2" charset="-122"/>
+              </a:rPr>
+              <a:t> ? </a:t>
+            </a:r>
+            <a:r>
+              <a:rPr lang="en-US" altLang="zh-CN" sz="1800" b="0" i="0" u="none" strike="noStrike" baseline="0" dirty="0">
+                <a:solidFill>
+                  <a:srgbClr val="77C97B"/>
+                </a:solidFill>
+                <a:latin typeface="Consolas" panose="020B0609020204030204" pitchFamily="49" charset="0"/>
+                <a:ea typeface="宋体" panose="02010600030101010101" pitchFamily="2" charset="-122"/>
+              </a:rPr>
+              <a:t>"</a:t>
+            </a:r>
+            <a:r>
+              <a:rPr lang="zh-CN" altLang="en-US" sz="1800" b="0" i="0" u="none" strike="noStrike" baseline="0" dirty="0">
+                <a:solidFill>
+                  <a:srgbClr val="77C97B"/>
+                </a:solidFill>
+                <a:latin typeface="Consolas" panose="020B0609020204030204" pitchFamily="49" charset="0"/>
+                <a:ea typeface="宋体" panose="02010600030101010101" pitchFamily="2" charset="-122"/>
+              </a:rPr>
+              <a:t>出</a:t>
+            </a:r>
+            <a:r>
+              <a:rPr lang="en-US" altLang="zh-CN" sz="1800" b="0" i="0" u="none" strike="noStrike" baseline="0" dirty="0">
+                <a:solidFill>
+                  <a:srgbClr val="77C97B"/>
+                </a:solidFill>
+                <a:latin typeface="Consolas" panose="020B0609020204030204" pitchFamily="49" charset="0"/>
+                <a:ea typeface="宋体" panose="02010600030101010101" pitchFamily="2" charset="-122"/>
+              </a:rPr>
+              <a:t>"</a:t>
+            </a:r>
+            <a:r>
+              <a:rPr lang="zh-CN" altLang="en-US" sz="1800" b="0" i="0" u="none" strike="noStrike" baseline="0" dirty="0">
+                <a:solidFill>
+                  <a:srgbClr val="BEB8B0"/>
+                </a:solidFill>
+                <a:latin typeface="Consolas" panose="020B0609020204030204" pitchFamily="49" charset="0"/>
+                <a:ea typeface="宋体" panose="02010600030101010101" pitchFamily="2" charset="-122"/>
+              </a:rPr>
+              <a:t> </a:t>
+            </a:r>
+            <a:r>
+              <a:rPr lang="en-US" altLang="zh-CN" sz="1800" b="0" i="0" u="none" strike="noStrike" baseline="0" dirty="0">
+                <a:solidFill>
+                  <a:srgbClr val="BEB8B0"/>
+                </a:solidFill>
+                <a:latin typeface="Consolas" panose="020B0609020204030204" pitchFamily="49" charset="0"/>
+                <a:ea typeface="宋体" panose="02010600030101010101" pitchFamily="2" charset="-122"/>
+              </a:rPr>
+              <a:t>: </a:t>
+            </a:r>
+            <a:r>
+              <a:rPr lang="en-US" altLang="zh-CN" sz="1800" b="0" i="0" u="none" strike="noStrike" baseline="0" dirty="0">
+                <a:solidFill>
+                  <a:srgbClr val="77C97B"/>
+                </a:solidFill>
+                <a:latin typeface="Consolas" panose="020B0609020204030204" pitchFamily="49" charset="0"/>
+                <a:ea typeface="宋体" panose="02010600030101010101" pitchFamily="2" charset="-122"/>
+              </a:rPr>
+              <a:t>"</a:t>
+            </a:r>
+            <a:r>
+              <a:rPr lang="zh-CN" altLang="en-US" sz="1800" b="0" i="0" u="none" strike="noStrike" baseline="0" dirty="0">
+                <a:solidFill>
+                  <a:srgbClr val="77C97B"/>
+                </a:solidFill>
+                <a:latin typeface="Consolas" panose="020B0609020204030204" pitchFamily="49" charset="0"/>
+                <a:ea typeface="宋体" panose="02010600030101010101" pitchFamily="2" charset="-122"/>
+              </a:rPr>
+              <a:t>入</a:t>
+            </a:r>
+            <a:r>
+              <a:rPr lang="en-US" altLang="zh-CN" sz="1800" b="0" i="0" u="none" strike="noStrike" baseline="0" dirty="0">
+                <a:solidFill>
+                  <a:srgbClr val="77C97B"/>
+                </a:solidFill>
+                <a:latin typeface="Consolas" panose="020B0609020204030204" pitchFamily="49" charset="0"/>
+                <a:ea typeface="宋体" panose="02010600030101010101" pitchFamily="2" charset="-122"/>
+              </a:rPr>
+              <a:t>"</a:t>
+            </a:r>
+            <a:r>
+              <a:rPr lang="en-US" altLang="zh-CN" sz="1800" b="0" i="0" u="none" strike="noStrike" baseline="0" dirty="0">
+                <a:solidFill>
+                  <a:srgbClr val="BEB8B0"/>
+                </a:solidFill>
+                <a:latin typeface="Consolas" panose="020B0609020204030204" pitchFamily="49" charset="0"/>
+                <a:ea typeface="宋体" panose="02010600030101010101" pitchFamily="2" charset="-122"/>
+              </a:rPr>
+              <a:t>) + </a:t>
+            </a:r>
+            <a:r>
+              <a:rPr lang="en-US" altLang="zh-CN" sz="1800" b="0" i="0" u="none" strike="noStrike" baseline="0" dirty="0">
+                <a:solidFill>
+                  <a:srgbClr val="77C97B"/>
+                </a:solidFill>
+                <a:latin typeface="Consolas" panose="020B0609020204030204" pitchFamily="49" charset="0"/>
+                <a:ea typeface="宋体" panose="02010600030101010101" pitchFamily="2" charset="-122"/>
+              </a:rPr>
+              <a:t>"</a:t>
+            </a:r>
+            <a:r>
+              <a:rPr lang="zh-CN" altLang="en-US" sz="1800" b="0" i="0" u="none" strike="noStrike" baseline="0" dirty="0">
+                <a:solidFill>
+                  <a:srgbClr val="77C97B"/>
+                </a:solidFill>
+                <a:latin typeface="Consolas" panose="020B0609020204030204" pitchFamily="49" charset="0"/>
+                <a:ea typeface="宋体" panose="02010600030101010101" pitchFamily="2" charset="-122"/>
+              </a:rPr>
+              <a:t>学生学号：</a:t>
+            </a:r>
+            <a:r>
+              <a:rPr lang="en-US" altLang="zh-CN" sz="1800" b="0" i="0" u="none" strike="noStrike" baseline="0" dirty="0">
+                <a:solidFill>
+                  <a:srgbClr val="77C97B"/>
+                </a:solidFill>
+                <a:latin typeface="Consolas" panose="020B0609020204030204" pitchFamily="49" charset="0"/>
+                <a:ea typeface="宋体" panose="02010600030101010101" pitchFamily="2" charset="-122"/>
+              </a:rPr>
+              <a:t>"</a:t>
+            </a:r>
+            <a:r>
+              <a:rPr lang="en-US" altLang="zh-CN" sz="1800" b="0" i="0" u="none" strike="noStrike" baseline="0" dirty="0">
+                <a:solidFill>
+                  <a:srgbClr val="BEB8B0"/>
+                </a:solidFill>
+                <a:latin typeface="Consolas" panose="020B0609020204030204" pitchFamily="49" charset="0"/>
+                <a:ea typeface="宋体" panose="02010600030101010101" pitchFamily="2" charset="-122"/>
+              </a:rPr>
+              <a:t>);</a:t>
+            </a:r>
+          </a:p>
+          <a:p>
+            <a:pPr marR="0" algn="l" rtl="0"/>
+            <a:r>
+              <a:rPr lang="en-US" altLang="zh-CN" sz="1800" b="0" i="0" u="none" strike="noStrike" baseline="0" dirty="0">
+                <a:solidFill>
+                  <a:srgbClr val="BEB8B0"/>
+                </a:solidFill>
+                <a:latin typeface="Consolas" panose="020B0609020204030204" pitchFamily="49" charset="0"/>
+                <a:ea typeface="宋体" panose="02010600030101010101" pitchFamily="2" charset="-122"/>
+              </a:rPr>
+              <a:t>    </a:t>
+            </a:r>
+            <a:r>
+              <a:rPr lang="en-US" altLang="zh-CN" sz="1800" b="0" i="0" u="none" strike="noStrike" baseline="0" dirty="0">
+                <a:solidFill>
+                  <a:srgbClr val="6D95CC"/>
+                </a:solidFill>
+                <a:latin typeface="Consolas" panose="020B0609020204030204" pitchFamily="49" charset="0"/>
+                <a:ea typeface="宋体" panose="02010600030101010101" pitchFamily="2" charset="-122"/>
+              </a:rPr>
+              <a:t>var</a:t>
+            </a:r>
+            <a:r>
+              <a:rPr lang="en-US" altLang="zh-CN" sz="1800" b="0" i="0" u="none" strike="noStrike" baseline="0" dirty="0">
+                <a:solidFill>
+                  <a:srgbClr val="BEB8B0"/>
+                </a:solidFill>
+                <a:latin typeface="Consolas" panose="020B0609020204030204" pitchFamily="49" charset="0"/>
+                <a:ea typeface="宋体" panose="02010600030101010101" pitchFamily="2" charset="-122"/>
+              </a:rPr>
+              <a:t> temp = </a:t>
+            </a:r>
+            <a:r>
+              <a:rPr lang="en-US" altLang="zh-CN" sz="1800" b="0" i="0" u="none" strike="noStrike" baseline="0" dirty="0" err="1">
+                <a:solidFill>
+                  <a:srgbClr val="BEB8B0"/>
+                </a:solidFill>
+                <a:latin typeface="Consolas" panose="020B0609020204030204" pitchFamily="49" charset="0"/>
+                <a:ea typeface="宋体" panose="02010600030101010101" pitchFamily="2" charset="-122"/>
+              </a:rPr>
+              <a:t>KB.scan</a:t>
+            </a:r>
+            <a:r>
+              <a:rPr lang="en-US" altLang="zh-CN" sz="1800" b="0" i="0" u="none" strike="noStrike" baseline="0" dirty="0">
+                <a:solidFill>
+                  <a:srgbClr val="BEB8B0"/>
+                </a:solidFill>
+                <a:latin typeface="Consolas" panose="020B0609020204030204" pitchFamily="49" charset="0"/>
+                <a:ea typeface="宋体" panose="02010600030101010101" pitchFamily="2" charset="-122"/>
+              </a:rPr>
+              <a:t>();</a:t>
+            </a:r>
+          </a:p>
+          <a:p>
+            <a:pPr marR="0" algn="l" rtl="0"/>
+            <a:r>
+              <a:rPr lang="en-US" altLang="zh-CN" sz="1800" b="0" i="0" u="none" strike="noStrike" baseline="0" dirty="0">
+                <a:solidFill>
+                  <a:srgbClr val="BEB8B0"/>
+                </a:solidFill>
+                <a:latin typeface="Consolas" panose="020B0609020204030204" pitchFamily="49" charset="0"/>
+                <a:ea typeface="宋体" panose="02010600030101010101" pitchFamily="2" charset="-122"/>
+              </a:rPr>
+              <a:t>    </a:t>
+            </a:r>
+            <a:r>
+              <a:rPr lang="en-US" altLang="zh-CN" sz="1800" b="0" i="0" u="none" strike="noStrike" baseline="0" dirty="0">
+                <a:solidFill>
+                  <a:srgbClr val="6D95CC"/>
+                </a:solidFill>
+                <a:latin typeface="Consolas" panose="020B0609020204030204" pitchFamily="49" charset="0"/>
+                <a:ea typeface="宋体" panose="02010600030101010101" pitchFamily="2" charset="-122"/>
+              </a:rPr>
+              <a:t>if</a:t>
+            </a:r>
+            <a:r>
+              <a:rPr lang="en-US" altLang="zh-CN" sz="1800" b="0" i="0" u="none" strike="noStrike" baseline="0" dirty="0">
+                <a:solidFill>
+                  <a:srgbClr val="BEB8B0"/>
+                </a:solidFill>
+                <a:latin typeface="Consolas" panose="020B0609020204030204" pitchFamily="49" charset="0"/>
+                <a:ea typeface="宋体" panose="02010600030101010101" pitchFamily="2" charset="-122"/>
+              </a:rPr>
+              <a:t>(!</a:t>
+            </a:r>
+            <a:r>
+              <a:rPr lang="en-US" altLang="zh-CN" sz="1800" b="0" i="0" u="none" strike="noStrike" baseline="0" dirty="0" err="1">
+                <a:solidFill>
+                  <a:srgbClr val="BEB8B0"/>
+                </a:solidFill>
+                <a:latin typeface="Consolas" panose="020B0609020204030204" pitchFamily="49" charset="0"/>
+                <a:ea typeface="宋体" panose="02010600030101010101" pitchFamily="2" charset="-122"/>
+              </a:rPr>
+              <a:t>choosed.has_student</a:t>
+            </a:r>
+            <a:r>
+              <a:rPr lang="en-US" altLang="zh-CN" sz="1800" b="0" i="0" u="none" strike="noStrike" baseline="0" dirty="0">
+                <a:solidFill>
+                  <a:srgbClr val="BEB8B0"/>
+                </a:solidFill>
+                <a:latin typeface="Consolas" panose="020B0609020204030204" pitchFamily="49" charset="0"/>
+                <a:ea typeface="宋体" panose="02010600030101010101" pitchFamily="2" charset="-122"/>
+              </a:rPr>
+              <a:t>(temp))</a:t>
+            </a:r>
+          </a:p>
+          <a:p>
+            <a:pPr marR="0" algn="l" rtl="0"/>
+            <a:r>
+              <a:rPr lang="en-US" altLang="zh-CN" sz="1800" b="0" i="0" u="none" strike="noStrike" baseline="0" dirty="0">
+                <a:solidFill>
+                  <a:srgbClr val="BEB8B0"/>
+                </a:solidFill>
+                <a:latin typeface="Consolas" panose="020B0609020204030204" pitchFamily="49" charset="0"/>
+                <a:ea typeface="宋体" panose="02010600030101010101" pitchFamily="2" charset="-122"/>
+              </a:rPr>
+              <a:t>    {</a:t>
+            </a:r>
+          </a:p>
+          <a:p>
+            <a:pPr marR="0" algn="l" rtl="0"/>
+            <a:r>
+              <a:rPr lang="en-US" altLang="zh-CN" sz="1800" b="0" i="0" u="none" strike="noStrike" baseline="0" dirty="0">
+                <a:solidFill>
+                  <a:srgbClr val="BEB8B0"/>
+                </a:solidFill>
+                <a:latin typeface="Consolas" panose="020B0609020204030204" pitchFamily="49" charset="0"/>
+                <a:ea typeface="宋体" panose="02010600030101010101" pitchFamily="2" charset="-122"/>
+              </a:rPr>
+              <a:t>        </a:t>
+            </a:r>
+            <a:r>
+              <a:rPr lang="en-US" altLang="zh-CN" sz="1800" b="0" i="0" u="none" strike="noStrike" baseline="0" dirty="0" err="1">
+                <a:solidFill>
+                  <a:srgbClr val="C85ADA"/>
+                </a:solidFill>
+                <a:latin typeface="Consolas" panose="020B0609020204030204" pitchFamily="49" charset="0"/>
+                <a:ea typeface="宋体" panose="02010600030101010101" pitchFamily="2" charset="-122"/>
+              </a:rPr>
+              <a:t>System</a:t>
+            </a:r>
+            <a:r>
+              <a:rPr lang="en-US" altLang="zh-CN" sz="1800" b="0" i="0" u="none" strike="noStrike" baseline="0" dirty="0" err="1">
+                <a:solidFill>
+                  <a:srgbClr val="BEB8B0"/>
+                </a:solidFill>
+                <a:latin typeface="Consolas" panose="020B0609020204030204" pitchFamily="49" charset="0"/>
+                <a:ea typeface="宋体" panose="02010600030101010101" pitchFamily="2" charset="-122"/>
+              </a:rPr>
+              <a:t>.out.println</a:t>
+            </a:r>
+            <a:r>
+              <a:rPr lang="en-US" altLang="zh-CN" sz="1800" b="0" i="0" u="none" strike="noStrike" baseline="0" dirty="0">
+                <a:solidFill>
+                  <a:srgbClr val="BEB8B0"/>
+                </a:solidFill>
+                <a:latin typeface="Consolas" panose="020B0609020204030204" pitchFamily="49" charset="0"/>
+                <a:ea typeface="宋体" panose="02010600030101010101" pitchFamily="2" charset="-122"/>
+              </a:rPr>
+              <a:t>(</a:t>
+            </a:r>
+            <a:r>
+              <a:rPr lang="en-US" altLang="zh-CN" sz="1800" b="0" i="0" u="none" strike="noStrike" baseline="0" dirty="0">
+                <a:solidFill>
+                  <a:srgbClr val="77C97B"/>
+                </a:solidFill>
+                <a:latin typeface="Consolas" panose="020B0609020204030204" pitchFamily="49" charset="0"/>
+                <a:ea typeface="宋体" panose="02010600030101010101" pitchFamily="2" charset="-122"/>
+              </a:rPr>
+              <a:t>"</a:t>
+            </a:r>
+            <a:r>
+              <a:rPr lang="zh-CN" altLang="en-US" sz="1800" b="0" i="0" u="none" strike="noStrike" baseline="0" dirty="0">
+                <a:solidFill>
+                  <a:srgbClr val="77C97B"/>
+                </a:solidFill>
+                <a:latin typeface="Consolas" panose="020B0609020204030204" pitchFamily="49" charset="0"/>
+                <a:ea typeface="宋体" panose="02010600030101010101" pitchFamily="2" charset="-122"/>
+              </a:rPr>
+              <a:t>未找到学生，请重新输入</a:t>
+            </a:r>
+            <a:r>
+              <a:rPr lang="en-US" altLang="zh-CN" sz="1800" b="0" i="0" u="none" strike="noStrike" baseline="0" dirty="0">
+                <a:solidFill>
+                  <a:srgbClr val="77C97B"/>
+                </a:solidFill>
+                <a:latin typeface="Consolas" panose="020B0609020204030204" pitchFamily="49" charset="0"/>
+                <a:ea typeface="宋体" panose="02010600030101010101" pitchFamily="2" charset="-122"/>
+              </a:rPr>
+              <a:t>"</a:t>
+            </a:r>
+            <a:r>
+              <a:rPr lang="en-US" altLang="zh-CN" sz="1800" b="0" i="0" u="none" strike="noStrike" baseline="0" dirty="0">
+                <a:solidFill>
+                  <a:srgbClr val="BEB8B0"/>
+                </a:solidFill>
+                <a:latin typeface="Consolas" panose="020B0609020204030204" pitchFamily="49" charset="0"/>
+                <a:ea typeface="宋体" panose="02010600030101010101" pitchFamily="2" charset="-122"/>
+              </a:rPr>
+              <a:t>);</a:t>
+            </a:r>
+          </a:p>
+          <a:p>
+            <a:pPr marR="0" algn="l" rtl="0"/>
+            <a:r>
+              <a:rPr lang="en-US" altLang="zh-CN" sz="1800" b="0" i="0" u="none" strike="noStrike" baseline="0" dirty="0">
+                <a:solidFill>
+                  <a:srgbClr val="BEB8B0"/>
+                </a:solidFill>
+                <a:latin typeface="Consolas" panose="020B0609020204030204" pitchFamily="49" charset="0"/>
+                <a:ea typeface="宋体" panose="02010600030101010101" pitchFamily="2" charset="-122"/>
+              </a:rPr>
+              <a:t>        </a:t>
+            </a:r>
+            <a:r>
+              <a:rPr lang="en-US" altLang="zh-CN" sz="1800" b="0" i="0" u="none" strike="noStrike" baseline="0" dirty="0">
+                <a:solidFill>
+                  <a:srgbClr val="6D95CC"/>
+                </a:solidFill>
+                <a:latin typeface="Consolas" panose="020B0609020204030204" pitchFamily="49" charset="0"/>
+                <a:ea typeface="宋体" panose="02010600030101010101" pitchFamily="2" charset="-122"/>
+              </a:rPr>
+              <a:t>return</a:t>
+            </a:r>
+            <a:r>
+              <a:rPr lang="en-US" altLang="zh-CN" sz="1800" b="0" i="0" u="none" strike="noStrike" baseline="0" dirty="0">
+                <a:solidFill>
+                  <a:srgbClr val="BEB8B0"/>
+                </a:solidFill>
+                <a:latin typeface="Consolas" panose="020B0609020204030204" pitchFamily="49" charset="0"/>
+                <a:ea typeface="宋体" panose="02010600030101010101" pitchFamily="2" charset="-122"/>
+              </a:rPr>
+              <a:t> ask1(</a:t>
+            </a:r>
+            <a:r>
+              <a:rPr lang="en-US" altLang="zh-CN" sz="1800" b="0" i="0" u="none" strike="noStrike" baseline="0" dirty="0" err="1">
+                <a:solidFill>
+                  <a:srgbClr val="BEB8B0"/>
+                </a:solidFill>
+                <a:latin typeface="Consolas" panose="020B0609020204030204" pitchFamily="49" charset="0"/>
+                <a:ea typeface="宋体" panose="02010600030101010101" pitchFamily="2" charset="-122"/>
+              </a:rPr>
+              <a:t>choosed</a:t>
+            </a:r>
+            <a:r>
+              <a:rPr lang="en-US" altLang="zh-CN" sz="1800" b="0" i="0" u="none" strike="noStrike" baseline="0" dirty="0">
+                <a:solidFill>
+                  <a:srgbClr val="BEB8B0"/>
+                </a:solidFill>
+                <a:latin typeface="Consolas" panose="020B0609020204030204" pitchFamily="49" charset="0"/>
+                <a:ea typeface="宋体" panose="02010600030101010101" pitchFamily="2" charset="-122"/>
+              </a:rPr>
+              <a:t>, </a:t>
+            </a:r>
+            <a:r>
+              <a:rPr lang="en-US" altLang="zh-CN" sz="1800" b="0" i="0" u="none" strike="noStrike" baseline="0" dirty="0" err="1">
+                <a:solidFill>
+                  <a:srgbClr val="BEB8B0"/>
+                </a:solidFill>
+                <a:latin typeface="Consolas" panose="020B0609020204030204" pitchFamily="49" charset="0"/>
+                <a:ea typeface="宋体" panose="02010600030101010101" pitchFamily="2" charset="-122"/>
+              </a:rPr>
+              <a:t>isout</a:t>
+            </a:r>
+            <a:r>
+              <a:rPr lang="en-US" altLang="zh-CN" sz="1800" b="0" i="0" u="none" strike="noStrike" baseline="0" dirty="0">
+                <a:solidFill>
+                  <a:srgbClr val="BEB8B0"/>
+                </a:solidFill>
+                <a:latin typeface="Consolas" panose="020B0609020204030204" pitchFamily="49" charset="0"/>
+                <a:ea typeface="宋体" panose="02010600030101010101" pitchFamily="2" charset="-122"/>
+              </a:rPr>
+              <a:t>);</a:t>
+            </a:r>
+          </a:p>
+          <a:p>
+            <a:pPr marR="0" algn="l" rtl="0"/>
+            <a:r>
+              <a:rPr lang="en-US" altLang="zh-CN" sz="1800" b="0" i="0" u="none" strike="noStrike" baseline="0" dirty="0">
+                <a:solidFill>
+                  <a:srgbClr val="BEB8B0"/>
+                </a:solidFill>
+                <a:latin typeface="Consolas" panose="020B0609020204030204" pitchFamily="49" charset="0"/>
+                <a:ea typeface="宋体" panose="02010600030101010101" pitchFamily="2" charset="-122"/>
+              </a:rPr>
+              <a:t>    }</a:t>
+            </a:r>
+          </a:p>
+          <a:p>
+            <a:pPr marR="0" algn="l" rtl="0"/>
+            <a:r>
+              <a:rPr lang="en-US" altLang="zh-CN" sz="1800" b="0" i="0" u="none" strike="noStrike" baseline="0" dirty="0">
+                <a:solidFill>
+                  <a:srgbClr val="BEB8B0"/>
+                </a:solidFill>
+                <a:latin typeface="Consolas" panose="020B0609020204030204" pitchFamily="49" charset="0"/>
+                <a:ea typeface="宋体" panose="02010600030101010101" pitchFamily="2" charset="-122"/>
+              </a:rPr>
+              <a:t>    </a:t>
+            </a:r>
+            <a:r>
+              <a:rPr lang="en-US" altLang="zh-CN" sz="1800" b="0" i="0" u="none" strike="noStrike" baseline="0" dirty="0">
+                <a:solidFill>
+                  <a:srgbClr val="6D95CC"/>
+                </a:solidFill>
+                <a:latin typeface="Consolas" panose="020B0609020204030204" pitchFamily="49" charset="0"/>
+                <a:ea typeface="宋体" panose="02010600030101010101" pitchFamily="2" charset="-122"/>
+              </a:rPr>
+              <a:t>return</a:t>
+            </a:r>
+            <a:r>
+              <a:rPr lang="en-US" altLang="zh-CN" sz="1800" b="0" i="0" u="none" strike="noStrike" baseline="0" dirty="0">
+                <a:solidFill>
+                  <a:srgbClr val="BEB8B0"/>
+                </a:solidFill>
+                <a:latin typeface="Consolas" panose="020B0609020204030204" pitchFamily="49" charset="0"/>
+                <a:ea typeface="宋体" panose="02010600030101010101" pitchFamily="2" charset="-122"/>
+              </a:rPr>
+              <a:t> temp;</a:t>
+            </a:r>
+          </a:p>
+          <a:p>
+            <a:pPr marR="0" algn="l" rtl="0"/>
+            <a:r>
+              <a:rPr lang="en-US" altLang="zh-CN" sz="1800" b="0" i="0" u="none" strike="noStrike" baseline="0" dirty="0">
+                <a:solidFill>
+                  <a:srgbClr val="BEB8B0"/>
+                </a:solidFill>
+                <a:latin typeface="Consolas" panose="020B0609020204030204" pitchFamily="49" charset="0"/>
+                <a:ea typeface="宋体" panose="02010600030101010101" pitchFamily="2" charset="-122"/>
+              </a:rPr>
+              <a:t>}</a:t>
+            </a:r>
+          </a:p>
+          <a:p>
+            <a:endParaRPr lang="zh-CN" altLang="en-US" dirty="0"/>
+          </a:p>
+        </p:txBody>
+      </p:sp>
+      <p:sp>
+        <p:nvSpPr>
+          <p:cNvPr id="3" name="文本框 2">
+            <a:extLst>
+              <a:ext uri="{FF2B5EF4-FFF2-40B4-BE49-F238E27FC236}">
+                <a16:creationId xmlns:a16="http://schemas.microsoft.com/office/drawing/2014/main" id="{A64A2C7B-C3FB-65C7-568D-247800CFF6E9}"/>
+              </a:ext>
+            </a:extLst>
+          </p:cNvPr>
+          <p:cNvSpPr txBox="1"/>
+          <p:nvPr/>
+        </p:nvSpPr>
+        <p:spPr>
+          <a:xfrm>
+            <a:off x="7498079" y="0"/>
+            <a:ext cx="4693919" cy="6186309"/>
+          </a:xfrm>
+          <a:prstGeom prst="rect">
+            <a:avLst/>
+          </a:prstGeom>
+          <a:noFill/>
+        </p:spPr>
+        <p:txBody>
+          <a:bodyPr wrap="square" rtlCol="0">
+            <a:spAutoFit/>
+          </a:bodyPr>
+          <a:lstStyle/>
+          <a:p>
+            <a:pPr marR="0" algn="l" rtl="0"/>
+            <a:r>
+              <a:rPr lang="en-US" altLang="zh-CN" sz="1800" b="0" i="0" u="none" strike="noStrike" baseline="0" dirty="0">
+                <a:solidFill>
+                  <a:srgbClr val="6D95CC"/>
+                </a:solidFill>
+                <a:latin typeface="Consolas" panose="020B0609020204030204" pitchFamily="49" charset="0"/>
+                <a:ea typeface="宋体" panose="02010600030101010101" pitchFamily="2" charset="-122"/>
+              </a:rPr>
+              <a:t>static</a:t>
+            </a:r>
+            <a:r>
+              <a:rPr lang="en-US" altLang="zh-CN" sz="1800" b="0" i="0" u="none" strike="noStrike" baseline="0" dirty="0">
+                <a:solidFill>
+                  <a:srgbClr val="BEB8B0"/>
+                </a:solidFill>
+                <a:latin typeface="Consolas" panose="020B0609020204030204" pitchFamily="49" charset="0"/>
+                <a:ea typeface="宋体" panose="02010600030101010101" pitchFamily="2" charset="-122"/>
+              </a:rPr>
+              <a:t> </a:t>
+            </a:r>
+            <a:r>
+              <a:rPr lang="en-US" altLang="zh-CN" sz="1800" b="0" i="0" u="none" strike="noStrike" baseline="0" dirty="0">
+                <a:solidFill>
+                  <a:srgbClr val="C85ADA"/>
+                </a:solidFill>
+                <a:latin typeface="Consolas" panose="020B0609020204030204" pitchFamily="49" charset="0"/>
+                <a:ea typeface="宋体" panose="02010600030101010101" pitchFamily="2" charset="-122"/>
+              </a:rPr>
+              <a:t>String</a:t>
+            </a:r>
+            <a:r>
+              <a:rPr lang="en-US" altLang="zh-CN" sz="1800" b="0" i="0" u="none" strike="noStrike" baseline="0" dirty="0">
+                <a:solidFill>
+                  <a:srgbClr val="BEB8B0"/>
+                </a:solidFill>
+                <a:latin typeface="Consolas" panose="020B0609020204030204" pitchFamily="49" charset="0"/>
+                <a:ea typeface="宋体" panose="02010600030101010101" pitchFamily="2" charset="-122"/>
+              </a:rPr>
+              <a:t> ask2(</a:t>
+            </a:r>
+            <a:r>
+              <a:rPr lang="en-US" altLang="zh-CN" sz="1800" b="0" i="0" u="none" strike="noStrike" baseline="0" dirty="0" err="1">
+                <a:solidFill>
+                  <a:srgbClr val="C85ADA"/>
+                </a:solidFill>
+                <a:latin typeface="Consolas" panose="020B0609020204030204" pitchFamily="49" charset="0"/>
+                <a:ea typeface="宋体" panose="02010600030101010101" pitchFamily="2" charset="-122"/>
+              </a:rPr>
+              <a:t>VIP_gradeMath</a:t>
+            </a:r>
+            <a:r>
+              <a:rPr lang="en-US" altLang="zh-CN" sz="1800" b="0" i="0" u="none" strike="noStrike" baseline="0" dirty="0">
+                <a:solidFill>
+                  <a:srgbClr val="BEB8B0"/>
+                </a:solidFill>
+                <a:latin typeface="Consolas" panose="020B0609020204030204" pitchFamily="49" charset="0"/>
+                <a:ea typeface="宋体" panose="02010600030101010101" pitchFamily="2" charset="-122"/>
+              </a:rPr>
+              <a:t> </a:t>
+            </a:r>
+            <a:r>
+              <a:rPr lang="en-US" altLang="zh-CN" sz="1800" b="0" i="0" u="none" strike="noStrike" baseline="0" dirty="0" err="1">
+                <a:solidFill>
+                  <a:srgbClr val="BEB8B0"/>
+                </a:solidFill>
+                <a:latin typeface="Consolas" panose="020B0609020204030204" pitchFamily="49" charset="0"/>
+                <a:ea typeface="宋体" panose="02010600030101010101" pitchFamily="2" charset="-122"/>
+              </a:rPr>
+              <a:t>choosed</a:t>
+            </a:r>
+            <a:r>
+              <a:rPr lang="en-US" altLang="zh-CN" sz="1800" b="0" i="0" u="none" strike="noStrike" baseline="0" dirty="0">
+                <a:solidFill>
+                  <a:srgbClr val="BEB8B0"/>
+                </a:solidFill>
+                <a:latin typeface="Consolas" panose="020B0609020204030204" pitchFamily="49" charset="0"/>
+                <a:ea typeface="宋体" panose="02010600030101010101" pitchFamily="2" charset="-122"/>
+              </a:rPr>
+              <a:t>)</a:t>
+            </a:r>
+          </a:p>
+          <a:p>
+            <a:pPr marR="0" algn="l" rtl="0"/>
+            <a:r>
+              <a:rPr lang="en-US" altLang="zh-CN" sz="1800" b="0" i="0" u="none" strike="noStrike" baseline="0" dirty="0">
+                <a:solidFill>
+                  <a:srgbClr val="BEB8B0"/>
+                </a:solidFill>
+                <a:latin typeface="Consolas" panose="020B0609020204030204" pitchFamily="49" charset="0"/>
+                <a:ea typeface="宋体" panose="02010600030101010101" pitchFamily="2" charset="-122"/>
+              </a:rPr>
+              <a:t>{</a:t>
+            </a:r>
+          </a:p>
+          <a:p>
+            <a:pPr marR="0" algn="l" rtl="0"/>
+            <a:r>
+              <a:rPr lang="en-US" altLang="zh-CN" sz="1800" b="0" i="0" u="none" strike="noStrike" baseline="0" dirty="0">
+                <a:solidFill>
+                  <a:srgbClr val="BEB8B0"/>
+                </a:solidFill>
+                <a:latin typeface="Consolas" panose="020B0609020204030204" pitchFamily="49" charset="0"/>
+                <a:ea typeface="宋体" panose="02010600030101010101" pitchFamily="2" charset="-122"/>
+              </a:rPr>
+              <a:t>    </a:t>
+            </a:r>
+            <a:r>
+              <a:rPr lang="en-US" altLang="zh-CN" sz="1800" b="0" i="0" u="none" strike="noStrike" baseline="0" dirty="0" err="1">
+                <a:solidFill>
+                  <a:srgbClr val="C85ADA"/>
+                </a:solidFill>
+                <a:latin typeface="Consolas" panose="020B0609020204030204" pitchFamily="49" charset="0"/>
+                <a:ea typeface="宋体" panose="02010600030101010101" pitchFamily="2" charset="-122"/>
+              </a:rPr>
+              <a:t>System</a:t>
+            </a:r>
+            <a:r>
+              <a:rPr lang="en-US" altLang="zh-CN" sz="1800" b="0" i="0" u="none" strike="noStrike" baseline="0" dirty="0" err="1">
+                <a:solidFill>
+                  <a:srgbClr val="BEB8B0"/>
+                </a:solidFill>
+                <a:latin typeface="Consolas" panose="020B0609020204030204" pitchFamily="49" charset="0"/>
+                <a:ea typeface="宋体" panose="02010600030101010101" pitchFamily="2" charset="-122"/>
+              </a:rPr>
+              <a:t>.out.println</a:t>
+            </a:r>
+            <a:r>
+              <a:rPr lang="en-US" altLang="zh-CN" sz="1800" b="0" i="0" u="none" strike="noStrike" baseline="0" dirty="0">
+                <a:solidFill>
+                  <a:srgbClr val="BEB8B0"/>
+                </a:solidFill>
+                <a:latin typeface="Consolas" panose="020B0609020204030204" pitchFamily="49" charset="0"/>
+                <a:ea typeface="宋体" panose="02010600030101010101" pitchFamily="2" charset="-122"/>
+              </a:rPr>
+              <a:t>(</a:t>
+            </a:r>
+            <a:r>
+              <a:rPr lang="en-US" altLang="zh-CN" sz="1800" b="0" i="0" u="none" strike="noStrike" baseline="0" dirty="0">
+                <a:solidFill>
+                  <a:srgbClr val="77C97B"/>
+                </a:solidFill>
+                <a:latin typeface="Consolas" panose="020B0609020204030204" pitchFamily="49" charset="0"/>
+                <a:ea typeface="宋体" panose="02010600030101010101" pitchFamily="2" charset="-122"/>
+              </a:rPr>
+              <a:t>"</a:t>
+            </a:r>
+            <a:r>
+              <a:rPr lang="zh-CN" altLang="en-US" sz="1800" b="0" i="0" u="none" strike="noStrike" baseline="0" dirty="0">
+                <a:solidFill>
+                  <a:srgbClr val="77C97B"/>
+                </a:solidFill>
+                <a:latin typeface="Consolas" panose="020B0609020204030204" pitchFamily="49" charset="0"/>
+                <a:ea typeface="宋体" panose="02010600030101010101" pitchFamily="2" charset="-122"/>
+              </a:rPr>
+              <a:t>请输入转入学生所在班号：</a:t>
+            </a:r>
+            <a:r>
+              <a:rPr lang="en-US" altLang="zh-CN" sz="1800" b="0" i="0" u="none" strike="noStrike" baseline="0" dirty="0">
+                <a:solidFill>
+                  <a:srgbClr val="77C97B"/>
+                </a:solidFill>
+                <a:latin typeface="Consolas" panose="020B0609020204030204" pitchFamily="49" charset="0"/>
+                <a:ea typeface="宋体" panose="02010600030101010101" pitchFamily="2" charset="-122"/>
+              </a:rPr>
+              <a:t>"</a:t>
+            </a:r>
+            <a:r>
+              <a:rPr lang="en-US" altLang="zh-CN" sz="1800" b="0" i="0" u="none" strike="noStrike" baseline="0" dirty="0">
+                <a:solidFill>
+                  <a:srgbClr val="BEB8B0"/>
+                </a:solidFill>
+                <a:latin typeface="Consolas" panose="020B0609020204030204" pitchFamily="49" charset="0"/>
+                <a:ea typeface="宋体" panose="02010600030101010101" pitchFamily="2" charset="-122"/>
+              </a:rPr>
+              <a:t>);</a:t>
+            </a:r>
+          </a:p>
+          <a:p>
+            <a:pPr marR="0" algn="l" rtl="0"/>
+            <a:r>
+              <a:rPr lang="en-US" altLang="zh-CN" sz="1800" b="0" i="0" u="none" strike="noStrike" baseline="0" dirty="0">
+                <a:solidFill>
+                  <a:srgbClr val="BEB8B0"/>
+                </a:solidFill>
+                <a:latin typeface="Consolas" panose="020B0609020204030204" pitchFamily="49" charset="0"/>
+                <a:ea typeface="宋体" panose="02010600030101010101" pitchFamily="2" charset="-122"/>
+              </a:rPr>
+              <a:t>    </a:t>
+            </a:r>
+            <a:r>
+              <a:rPr lang="en-US" altLang="zh-CN" sz="1800" b="0" i="0" u="none" strike="noStrike" baseline="0" dirty="0">
+                <a:solidFill>
+                  <a:srgbClr val="6D95CC"/>
+                </a:solidFill>
+                <a:latin typeface="Consolas" panose="020B0609020204030204" pitchFamily="49" charset="0"/>
+                <a:ea typeface="宋体" panose="02010600030101010101" pitchFamily="2" charset="-122"/>
+              </a:rPr>
+              <a:t>var</a:t>
+            </a:r>
+            <a:r>
+              <a:rPr lang="en-US" altLang="zh-CN" sz="1800" b="0" i="0" u="none" strike="noStrike" baseline="0" dirty="0">
+                <a:solidFill>
+                  <a:srgbClr val="BEB8B0"/>
+                </a:solidFill>
+                <a:latin typeface="Consolas" panose="020B0609020204030204" pitchFamily="49" charset="0"/>
+                <a:ea typeface="宋体" panose="02010600030101010101" pitchFamily="2" charset="-122"/>
+              </a:rPr>
+              <a:t> temp = </a:t>
+            </a:r>
+            <a:r>
+              <a:rPr lang="en-US" altLang="zh-CN" sz="1800" b="0" i="0" u="none" strike="noStrike" baseline="0" dirty="0" err="1">
+                <a:solidFill>
+                  <a:srgbClr val="BEB8B0"/>
+                </a:solidFill>
+                <a:latin typeface="Consolas" panose="020B0609020204030204" pitchFamily="49" charset="0"/>
+                <a:ea typeface="宋体" panose="02010600030101010101" pitchFamily="2" charset="-122"/>
+              </a:rPr>
+              <a:t>KB.scan</a:t>
+            </a:r>
+            <a:r>
+              <a:rPr lang="en-US" altLang="zh-CN" sz="1800" b="0" i="0" u="none" strike="noStrike" baseline="0" dirty="0">
+                <a:solidFill>
+                  <a:srgbClr val="BEB8B0"/>
+                </a:solidFill>
+                <a:latin typeface="Consolas" panose="020B0609020204030204" pitchFamily="49" charset="0"/>
+                <a:ea typeface="宋体" panose="02010600030101010101" pitchFamily="2" charset="-122"/>
+              </a:rPr>
+              <a:t>();</a:t>
+            </a:r>
+          </a:p>
+          <a:p>
+            <a:pPr marR="0" algn="l" rtl="0"/>
+            <a:r>
+              <a:rPr lang="en-US" altLang="zh-CN" sz="1800" b="0" i="0" u="none" strike="noStrike" baseline="0" dirty="0">
+                <a:solidFill>
+                  <a:srgbClr val="BEB8B0"/>
+                </a:solidFill>
+                <a:latin typeface="Consolas" panose="020B0609020204030204" pitchFamily="49" charset="0"/>
+                <a:ea typeface="宋体" panose="02010600030101010101" pitchFamily="2" charset="-122"/>
+              </a:rPr>
+              <a:t>    </a:t>
+            </a:r>
+            <a:r>
+              <a:rPr lang="en-US" altLang="zh-CN" sz="1800" b="0" i="0" u="none" strike="noStrike" baseline="0" dirty="0">
+                <a:solidFill>
+                  <a:srgbClr val="6D95CC"/>
+                </a:solidFill>
+                <a:latin typeface="Consolas" panose="020B0609020204030204" pitchFamily="49" charset="0"/>
+                <a:ea typeface="宋体" panose="02010600030101010101" pitchFamily="2" charset="-122"/>
+              </a:rPr>
+              <a:t>if</a:t>
+            </a:r>
+            <a:r>
+              <a:rPr lang="en-US" altLang="zh-CN" sz="1800" b="0" i="0" u="none" strike="noStrike" baseline="0" dirty="0">
+                <a:solidFill>
+                  <a:srgbClr val="BEB8B0"/>
+                </a:solidFill>
+                <a:latin typeface="Consolas" panose="020B0609020204030204" pitchFamily="49" charset="0"/>
+                <a:ea typeface="宋体" panose="02010600030101010101" pitchFamily="2" charset="-122"/>
+              </a:rPr>
+              <a:t>(!</a:t>
+            </a:r>
+            <a:r>
+              <a:rPr lang="en-US" altLang="zh-CN" sz="1800" b="0" i="0" u="none" strike="noStrike" baseline="0" dirty="0" err="1">
+                <a:solidFill>
+                  <a:srgbClr val="BEB8B0"/>
+                </a:solidFill>
+                <a:latin typeface="Consolas" panose="020B0609020204030204" pitchFamily="49" charset="0"/>
+                <a:ea typeface="宋体" panose="02010600030101010101" pitchFamily="2" charset="-122"/>
+              </a:rPr>
+              <a:t>map.containsKey</a:t>
+            </a:r>
+            <a:r>
+              <a:rPr lang="en-US" altLang="zh-CN" sz="1800" b="0" i="0" u="none" strike="noStrike" baseline="0" dirty="0">
+                <a:solidFill>
+                  <a:srgbClr val="BEB8B0"/>
+                </a:solidFill>
+                <a:latin typeface="Consolas" panose="020B0609020204030204" pitchFamily="49" charset="0"/>
+                <a:ea typeface="宋体" panose="02010600030101010101" pitchFamily="2" charset="-122"/>
+              </a:rPr>
+              <a:t>(temp))</a:t>
+            </a:r>
+          </a:p>
+          <a:p>
+            <a:pPr marR="0" algn="l" rtl="0"/>
+            <a:r>
+              <a:rPr lang="en-US" altLang="zh-CN" sz="1800" b="0" i="0" u="none" strike="noStrike" baseline="0" dirty="0">
+                <a:solidFill>
+                  <a:srgbClr val="BEB8B0"/>
+                </a:solidFill>
+                <a:latin typeface="Consolas" panose="020B0609020204030204" pitchFamily="49" charset="0"/>
+                <a:ea typeface="宋体" panose="02010600030101010101" pitchFamily="2" charset="-122"/>
+              </a:rPr>
+              <a:t>    {</a:t>
+            </a:r>
+          </a:p>
+          <a:p>
+            <a:pPr marR="0" algn="l" rtl="0"/>
+            <a:r>
+              <a:rPr lang="en-US" altLang="zh-CN" sz="1800" b="0" i="0" u="none" strike="noStrike" baseline="0" dirty="0">
+                <a:solidFill>
+                  <a:srgbClr val="BEB8B0"/>
+                </a:solidFill>
+                <a:latin typeface="Consolas" panose="020B0609020204030204" pitchFamily="49" charset="0"/>
+                <a:ea typeface="宋体" panose="02010600030101010101" pitchFamily="2" charset="-122"/>
+              </a:rPr>
+              <a:t>        </a:t>
+            </a:r>
+            <a:r>
+              <a:rPr lang="en-US" altLang="zh-CN" sz="1800" b="0" i="0" u="none" strike="noStrike" baseline="0" dirty="0" err="1">
+                <a:solidFill>
+                  <a:srgbClr val="C85ADA"/>
+                </a:solidFill>
+                <a:latin typeface="Consolas" panose="020B0609020204030204" pitchFamily="49" charset="0"/>
+                <a:ea typeface="宋体" panose="02010600030101010101" pitchFamily="2" charset="-122"/>
+              </a:rPr>
+              <a:t>System</a:t>
+            </a:r>
+            <a:r>
+              <a:rPr lang="en-US" altLang="zh-CN" sz="1800" b="0" i="0" u="none" strike="noStrike" baseline="0" dirty="0" err="1">
+                <a:solidFill>
+                  <a:srgbClr val="BEB8B0"/>
+                </a:solidFill>
+                <a:latin typeface="Consolas" panose="020B0609020204030204" pitchFamily="49" charset="0"/>
+                <a:ea typeface="宋体" panose="02010600030101010101" pitchFamily="2" charset="-122"/>
+              </a:rPr>
+              <a:t>.out.println</a:t>
+            </a:r>
+            <a:r>
+              <a:rPr lang="en-US" altLang="zh-CN" sz="1800" b="0" i="0" u="none" strike="noStrike" baseline="0" dirty="0">
+                <a:solidFill>
+                  <a:srgbClr val="BEB8B0"/>
+                </a:solidFill>
+                <a:latin typeface="Consolas" panose="020B0609020204030204" pitchFamily="49" charset="0"/>
+                <a:ea typeface="宋体" panose="02010600030101010101" pitchFamily="2" charset="-122"/>
+              </a:rPr>
+              <a:t>(</a:t>
+            </a:r>
+            <a:r>
+              <a:rPr lang="en-US" altLang="zh-CN" sz="1800" b="0" i="0" u="none" strike="noStrike" baseline="0" dirty="0">
+                <a:solidFill>
+                  <a:srgbClr val="77C97B"/>
+                </a:solidFill>
+                <a:latin typeface="Consolas" panose="020B0609020204030204" pitchFamily="49" charset="0"/>
+                <a:ea typeface="宋体" panose="02010600030101010101" pitchFamily="2" charset="-122"/>
+              </a:rPr>
+              <a:t>"</a:t>
+            </a:r>
+            <a:r>
+              <a:rPr lang="zh-CN" altLang="en-US" sz="1800" b="0" i="0" u="none" strike="noStrike" baseline="0" dirty="0">
+                <a:solidFill>
+                  <a:srgbClr val="77C97B"/>
+                </a:solidFill>
+                <a:latin typeface="Consolas" panose="020B0609020204030204" pitchFamily="49" charset="0"/>
+                <a:ea typeface="宋体" panose="02010600030101010101" pitchFamily="2" charset="-122"/>
+              </a:rPr>
+              <a:t>未找到班级，请重新输入</a:t>
+            </a:r>
+            <a:r>
+              <a:rPr lang="en-US" altLang="zh-CN" sz="1800" b="0" i="0" u="none" strike="noStrike" baseline="0" dirty="0">
+                <a:solidFill>
+                  <a:srgbClr val="77C97B"/>
+                </a:solidFill>
+                <a:latin typeface="Consolas" panose="020B0609020204030204" pitchFamily="49" charset="0"/>
+                <a:ea typeface="宋体" panose="02010600030101010101" pitchFamily="2" charset="-122"/>
+              </a:rPr>
+              <a:t>"</a:t>
+            </a:r>
+            <a:r>
+              <a:rPr lang="en-US" altLang="zh-CN" sz="1800" b="0" i="0" u="none" strike="noStrike" baseline="0" dirty="0">
+                <a:solidFill>
+                  <a:srgbClr val="BEB8B0"/>
+                </a:solidFill>
+                <a:latin typeface="Consolas" panose="020B0609020204030204" pitchFamily="49" charset="0"/>
+                <a:ea typeface="宋体" panose="02010600030101010101" pitchFamily="2" charset="-122"/>
+              </a:rPr>
+              <a:t>);</a:t>
+            </a:r>
+          </a:p>
+          <a:p>
+            <a:pPr marR="0" algn="l" rtl="0"/>
+            <a:r>
+              <a:rPr lang="en-US" altLang="zh-CN" sz="1800" b="0" i="0" u="none" strike="noStrike" baseline="0" dirty="0">
+                <a:solidFill>
+                  <a:srgbClr val="BEB8B0"/>
+                </a:solidFill>
+                <a:latin typeface="Consolas" panose="020B0609020204030204" pitchFamily="49" charset="0"/>
+                <a:ea typeface="宋体" panose="02010600030101010101" pitchFamily="2" charset="-122"/>
+              </a:rPr>
+              <a:t>        </a:t>
+            </a:r>
+            <a:r>
+              <a:rPr lang="en-US" altLang="zh-CN" sz="1800" b="0" i="0" u="none" strike="noStrike" baseline="0" dirty="0">
+                <a:solidFill>
+                  <a:srgbClr val="6D95CC"/>
+                </a:solidFill>
+                <a:latin typeface="Consolas" panose="020B0609020204030204" pitchFamily="49" charset="0"/>
+                <a:ea typeface="宋体" panose="02010600030101010101" pitchFamily="2" charset="-122"/>
+              </a:rPr>
+              <a:t>return</a:t>
+            </a:r>
+            <a:r>
+              <a:rPr lang="en-US" altLang="zh-CN" sz="1800" b="0" i="0" u="none" strike="noStrike" baseline="0" dirty="0">
+                <a:solidFill>
+                  <a:srgbClr val="BEB8B0"/>
+                </a:solidFill>
+                <a:latin typeface="Consolas" panose="020B0609020204030204" pitchFamily="49" charset="0"/>
+                <a:ea typeface="宋体" panose="02010600030101010101" pitchFamily="2" charset="-122"/>
+              </a:rPr>
+              <a:t> ask2(</a:t>
+            </a:r>
+            <a:r>
+              <a:rPr lang="en-US" altLang="zh-CN" sz="1800" b="0" i="0" u="none" strike="noStrike" baseline="0" dirty="0" err="1">
+                <a:solidFill>
+                  <a:srgbClr val="BEB8B0"/>
+                </a:solidFill>
+                <a:latin typeface="Consolas" panose="020B0609020204030204" pitchFamily="49" charset="0"/>
+                <a:ea typeface="宋体" panose="02010600030101010101" pitchFamily="2" charset="-122"/>
+              </a:rPr>
+              <a:t>choosed</a:t>
+            </a:r>
+            <a:r>
+              <a:rPr lang="en-US" altLang="zh-CN" sz="1800" b="0" i="0" u="none" strike="noStrike" baseline="0" dirty="0">
+                <a:solidFill>
+                  <a:srgbClr val="BEB8B0"/>
+                </a:solidFill>
+                <a:latin typeface="Consolas" panose="020B0609020204030204" pitchFamily="49" charset="0"/>
+                <a:ea typeface="宋体" panose="02010600030101010101" pitchFamily="2" charset="-122"/>
+              </a:rPr>
+              <a:t>);</a:t>
+            </a:r>
+          </a:p>
+          <a:p>
+            <a:pPr marR="0" algn="l" rtl="0"/>
+            <a:r>
+              <a:rPr lang="en-US" altLang="zh-CN" sz="1800" b="0" i="0" u="none" strike="noStrike" baseline="0" dirty="0">
+                <a:solidFill>
+                  <a:srgbClr val="BEB8B0"/>
+                </a:solidFill>
+                <a:latin typeface="Consolas" panose="020B0609020204030204" pitchFamily="49" charset="0"/>
+                <a:ea typeface="宋体" panose="02010600030101010101" pitchFamily="2" charset="-122"/>
+              </a:rPr>
+              <a:t>    }</a:t>
+            </a:r>
+          </a:p>
+          <a:p>
+            <a:pPr marR="0" algn="l" rtl="0"/>
+            <a:r>
+              <a:rPr lang="en-US" altLang="zh-CN" sz="1800" b="0" i="0" u="none" strike="noStrike" baseline="0" dirty="0">
+                <a:solidFill>
+                  <a:srgbClr val="BEB8B0"/>
+                </a:solidFill>
+                <a:latin typeface="Consolas" panose="020B0609020204030204" pitchFamily="49" charset="0"/>
+                <a:ea typeface="宋体" panose="02010600030101010101" pitchFamily="2" charset="-122"/>
+              </a:rPr>
+              <a:t>    </a:t>
+            </a:r>
+            <a:r>
+              <a:rPr lang="en-US" altLang="zh-CN" sz="1800" b="0" i="0" u="none" strike="noStrike" baseline="0" dirty="0">
+                <a:solidFill>
+                  <a:srgbClr val="6D95CC"/>
+                </a:solidFill>
+                <a:latin typeface="Consolas" panose="020B0609020204030204" pitchFamily="49" charset="0"/>
+                <a:ea typeface="宋体" panose="02010600030101010101" pitchFamily="2" charset="-122"/>
+              </a:rPr>
+              <a:t>else</a:t>
+            </a:r>
+            <a:r>
+              <a:rPr lang="en-US" altLang="zh-CN" sz="1800" b="0" i="0" u="none" strike="noStrike" baseline="0" dirty="0">
+                <a:solidFill>
+                  <a:srgbClr val="BEB8B0"/>
+                </a:solidFill>
+                <a:latin typeface="Consolas" panose="020B0609020204030204" pitchFamily="49" charset="0"/>
+                <a:ea typeface="宋体" panose="02010600030101010101" pitchFamily="2" charset="-122"/>
+              </a:rPr>
+              <a:t> </a:t>
+            </a:r>
+            <a:r>
+              <a:rPr lang="en-US" altLang="zh-CN" sz="1800" b="0" i="0" u="none" strike="noStrike" baseline="0" dirty="0">
+                <a:solidFill>
+                  <a:srgbClr val="6D95CC"/>
+                </a:solidFill>
+                <a:latin typeface="Consolas" panose="020B0609020204030204" pitchFamily="49" charset="0"/>
+                <a:ea typeface="宋体" panose="02010600030101010101" pitchFamily="2" charset="-122"/>
+              </a:rPr>
+              <a:t>if</a:t>
+            </a:r>
+            <a:r>
+              <a:rPr lang="en-US" altLang="zh-CN" sz="1800" b="0" i="0" u="none" strike="noStrike" baseline="0" dirty="0">
+                <a:solidFill>
+                  <a:srgbClr val="BEB8B0"/>
+                </a:solidFill>
+                <a:latin typeface="Consolas" panose="020B0609020204030204" pitchFamily="49" charset="0"/>
+                <a:ea typeface="宋体" panose="02010600030101010101" pitchFamily="2" charset="-122"/>
+              </a:rPr>
+              <a:t>(</a:t>
+            </a:r>
+            <a:r>
+              <a:rPr lang="en-US" altLang="zh-CN" sz="1800" b="0" i="0" u="none" strike="noStrike" baseline="0" dirty="0" err="1">
+                <a:solidFill>
+                  <a:srgbClr val="BEB8B0"/>
+                </a:solidFill>
+                <a:latin typeface="Consolas" panose="020B0609020204030204" pitchFamily="49" charset="0"/>
+                <a:ea typeface="宋体" panose="02010600030101010101" pitchFamily="2" charset="-122"/>
+              </a:rPr>
+              <a:t>temp.equals</a:t>
+            </a:r>
+            <a:r>
+              <a:rPr lang="en-US" altLang="zh-CN" sz="1800" b="0" i="0" u="none" strike="noStrike" baseline="0" dirty="0">
+                <a:solidFill>
+                  <a:srgbClr val="BEB8B0"/>
+                </a:solidFill>
+                <a:latin typeface="Consolas" panose="020B0609020204030204" pitchFamily="49" charset="0"/>
+                <a:ea typeface="宋体" panose="02010600030101010101" pitchFamily="2" charset="-122"/>
+              </a:rPr>
+              <a:t>(</a:t>
+            </a:r>
+            <a:r>
+              <a:rPr lang="en-US" altLang="zh-CN" sz="1800" b="0" i="0" u="none" strike="noStrike" baseline="0" dirty="0" err="1">
+                <a:solidFill>
+                  <a:srgbClr val="BEB8B0"/>
+                </a:solidFill>
+                <a:latin typeface="Consolas" panose="020B0609020204030204" pitchFamily="49" charset="0"/>
+                <a:ea typeface="宋体" panose="02010600030101010101" pitchFamily="2" charset="-122"/>
+              </a:rPr>
+              <a:t>choosed.get_cnum</a:t>
+            </a:r>
+            <a:r>
+              <a:rPr lang="en-US" altLang="zh-CN" sz="1800" b="0" i="0" u="none" strike="noStrike" baseline="0" dirty="0">
+                <a:solidFill>
+                  <a:srgbClr val="BEB8B0"/>
+                </a:solidFill>
+                <a:latin typeface="Consolas" panose="020B0609020204030204" pitchFamily="49" charset="0"/>
+                <a:ea typeface="宋体" panose="02010600030101010101" pitchFamily="2" charset="-122"/>
+              </a:rPr>
+              <a:t>()))</a:t>
+            </a:r>
+          </a:p>
+          <a:p>
+            <a:pPr marR="0" algn="l" rtl="0"/>
+            <a:r>
+              <a:rPr lang="en-US" altLang="zh-CN" sz="1800" b="0" i="0" u="none" strike="noStrike" baseline="0" dirty="0">
+                <a:solidFill>
+                  <a:srgbClr val="BEB8B0"/>
+                </a:solidFill>
+                <a:latin typeface="Consolas" panose="020B0609020204030204" pitchFamily="49" charset="0"/>
+                <a:ea typeface="宋体" panose="02010600030101010101" pitchFamily="2" charset="-122"/>
+              </a:rPr>
+              <a:t>    {</a:t>
+            </a:r>
+          </a:p>
+          <a:p>
+            <a:pPr marR="0" algn="l" rtl="0"/>
+            <a:r>
+              <a:rPr lang="en-US" altLang="zh-CN" sz="1800" b="0" i="0" u="none" strike="noStrike" baseline="0" dirty="0">
+                <a:solidFill>
+                  <a:srgbClr val="BEB8B0"/>
+                </a:solidFill>
+                <a:latin typeface="Consolas" panose="020B0609020204030204" pitchFamily="49" charset="0"/>
+                <a:ea typeface="宋体" panose="02010600030101010101" pitchFamily="2" charset="-122"/>
+              </a:rPr>
+              <a:t>        </a:t>
+            </a:r>
+            <a:r>
+              <a:rPr lang="en-US" altLang="zh-CN" sz="1800" b="0" i="0" u="none" strike="noStrike" baseline="0" dirty="0" err="1">
+                <a:solidFill>
+                  <a:srgbClr val="C85ADA"/>
+                </a:solidFill>
+                <a:latin typeface="Consolas" panose="020B0609020204030204" pitchFamily="49" charset="0"/>
+                <a:ea typeface="宋体" panose="02010600030101010101" pitchFamily="2" charset="-122"/>
+              </a:rPr>
+              <a:t>System</a:t>
+            </a:r>
+            <a:r>
+              <a:rPr lang="en-US" altLang="zh-CN" sz="1800" b="0" i="0" u="none" strike="noStrike" baseline="0" dirty="0" err="1">
+                <a:solidFill>
+                  <a:srgbClr val="BEB8B0"/>
+                </a:solidFill>
+                <a:latin typeface="Consolas" panose="020B0609020204030204" pitchFamily="49" charset="0"/>
+                <a:ea typeface="宋体" panose="02010600030101010101" pitchFamily="2" charset="-122"/>
+              </a:rPr>
+              <a:t>.out.println</a:t>
+            </a:r>
+            <a:r>
+              <a:rPr lang="en-US" altLang="zh-CN" sz="1800" b="0" i="0" u="none" strike="noStrike" baseline="0" dirty="0">
+                <a:solidFill>
+                  <a:srgbClr val="BEB8B0"/>
+                </a:solidFill>
+                <a:latin typeface="Consolas" panose="020B0609020204030204" pitchFamily="49" charset="0"/>
+                <a:ea typeface="宋体" panose="02010600030101010101" pitchFamily="2" charset="-122"/>
+              </a:rPr>
+              <a:t>(</a:t>
+            </a:r>
+            <a:r>
+              <a:rPr lang="en-US" altLang="zh-CN" sz="1800" b="0" i="0" u="none" strike="noStrike" baseline="0" dirty="0">
+                <a:solidFill>
+                  <a:srgbClr val="77C97B"/>
+                </a:solidFill>
+                <a:latin typeface="Consolas" panose="020B0609020204030204" pitchFamily="49" charset="0"/>
+                <a:ea typeface="宋体" panose="02010600030101010101" pitchFamily="2" charset="-122"/>
+              </a:rPr>
+              <a:t>"</a:t>
+            </a:r>
+            <a:r>
+              <a:rPr lang="zh-CN" altLang="en-US" sz="1800" b="0" i="0" u="none" strike="noStrike" baseline="0" dirty="0">
+                <a:solidFill>
+                  <a:srgbClr val="77C97B"/>
+                </a:solidFill>
+                <a:latin typeface="Consolas" panose="020B0609020204030204" pitchFamily="49" charset="0"/>
+                <a:ea typeface="宋体" panose="02010600030101010101" pitchFamily="2" charset="-122"/>
+              </a:rPr>
+              <a:t>不能转入自己，请重新输入</a:t>
+            </a:r>
+            <a:r>
+              <a:rPr lang="en-US" altLang="zh-CN" sz="1800" b="0" i="0" u="none" strike="noStrike" baseline="0" dirty="0">
+                <a:solidFill>
+                  <a:srgbClr val="77C97B"/>
+                </a:solidFill>
+                <a:latin typeface="Consolas" panose="020B0609020204030204" pitchFamily="49" charset="0"/>
+                <a:ea typeface="宋体" panose="02010600030101010101" pitchFamily="2" charset="-122"/>
+              </a:rPr>
+              <a:t>"</a:t>
+            </a:r>
+            <a:r>
+              <a:rPr lang="en-US" altLang="zh-CN" sz="1800" b="0" i="0" u="none" strike="noStrike" baseline="0" dirty="0">
+                <a:solidFill>
+                  <a:srgbClr val="BEB8B0"/>
+                </a:solidFill>
+                <a:latin typeface="Consolas" panose="020B0609020204030204" pitchFamily="49" charset="0"/>
+                <a:ea typeface="宋体" panose="02010600030101010101" pitchFamily="2" charset="-122"/>
+              </a:rPr>
+              <a:t>);</a:t>
+            </a:r>
+          </a:p>
+          <a:p>
+            <a:pPr marR="0" algn="l" rtl="0"/>
+            <a:r>
+              <a:rPr lang="en-US" altLang="zh-CN" sz="1800" b="0" i="0" u="none" strike="noStrike" baseline="0" dirty="0">
+                <a:solidFill>
+                  <a:srgbClr val="BEB8B0"/>
+                </a:solidFill>
+                <a:latin typeface="Consolas" panose="020B0609020204030204" pitchFamily="49" charset="0"/>
+                <a:ea typeface="宋体" panose="02010600030101010101" pitchFamily="2" charset="-122"/>
+              </a:rPr>
+              <a:t>        </a:t>
+            </a:r>
+            <a:r>
+              <a:rPr lang="en-US" altLang="zh-CN" sz="1800" b="0" i="0" u="none" strike="noStrike" baseline="0" dirty="0">
+                <a:solidFill>
+                  <a:srgbClr val="6D95CC"/>
+                </a:solidFill>
+                <a:latin typeface="Consolas" panose="020B0609020204030204" pitchFamily="49" charset="0"/>
+                <a:ea typeface="宋体" panose="02010600030101010101" pitchFamily="2" charset="-122"/>
+              </a:rPr>
+              <a:t>return</a:t>
+            </a:r>
+            <a:r>
+              <a:rPr lang="en-US" altLang="zh-CN" sz="1800" b="0" i="0" u="none" strike="noStrike" baseline="0" dirty="0">
+                <a:solidFill>
+                  <a:srgbClr val="BEB8B0"/>
+                </a:solidFill>
+                <a:latin typeface="Consolas" panose="020B0609020204030204" pitchFamily="49" charset="0"/>
+                <a:ea typeface="宋体" panose="02010600030101010101" pitchFamily="2" charset="-122"/>
+              </a:rPr>
+              <a:t> ask2(</a:t>
+            </a:r>
+            <a:r>
+              <a:rPr lang="en-US" altLang="zh-CN" sz="1800" b="0" i="0" u="none" strike="noStrike" baseline="0" dirty="0" err="1">
+                <a:solidFill>
+                  <a:srgbClr val="BEB8B0"/>
+                </a:solidFill>
+                <a:latin typeface="Consolas" panose="020B0609020204030204" pitchFamily="49" charset="0"/>
+                <a:ea typeface="宋体" panose="02010600030101010101" pitchFamily="2" charset="-122"/>
+              </a:rPr>
+              <a:t>choosed</a:t>
+            </a:r>
+            <a:r>
+              <a:rPr lang="en-US" altLang="zh-CN" sz="1800" b="0" i="0" u="none" strike="noStrike" baseline="0" dirty="0">
+                <a:solidFill>
+                  <a:srgbClr val="BEB8B0"/>
+                </a:solidFill>
+                <a:latin typeface="Consolas" panose="020B0609020204030204" pitchFamily="49" charset="0"/>
+                <a:ea typeface="宋体" panose="02010600030101010101" pitchFamily="2" charset="-122"/>
+              </a:rPr>
+              <a:t>);</a:t>
+            </a:r>
+          </a:p>
+          <a:p>
+            <a:pPr marR="0" algn="l" rtl="0"/>
+            <a:r>
+              <a:rPr lang="en-US" altLang="zh-CN" sz="1800" b="0" i="0" u="none" strike="noStrike" baseline="0" dirty="0">
+                <a:solidFill>
+                  <a:srgbClr val="BEB8B0"/>
+                </a:solidFill>
+                <a:latin typeface="Consolas" panose="020B0609020204030204" pitchFamily="49" charset="0"/>
+                <a:ea typeface="宋体" panose="02010600030101010101" pitchFamily="2" charset="-122"/>
+              </a:rPr>
+              <a:t>    }</a:t>
+            </a:r>
+          </a:p>
+          <a:p>
+            <a:pPr marR="0" algn="l" rtl="0"/>
+            <a:r>
+              <a:rPr lang="en-US" altLang="zh-CN" sz="1800" b="0" i="0" u="none" strike="noStrike" baseline="0" dirty="0">
+                <a:solidFill>
+                  <a:srgbClr val="BEB8B0"/>
+                </a:solidFill>
+                <a:latin typeface="Consolas" panose="020B0609020204030204" pitchFamily="49" charset="0"/>
+                <a:ea typeface="宋体" panose="02010600030101010101" pitchFamily="2" charset="-122"/>
+              </a:rPr>
+              <a:t>    </a:t>
+            </a:r>
+            <a:r>
+              <a:rPr lang="en-US" altLang="zh-CN" sz="1800" b="0" i="0" u="none" strike="noStrike" baseline="0" dirty="0">
+                <a:solidFill>
+                  <a:srgbClr val="6D95CC"/>
+                </a:solidFill>
+                <a:latin typeface="Consolas" panose="020B0609020204030204" pitchFamily="49" charset="0"/>
+                <a:ea typeface="宋体" panose="02010600030101010101" pitchFamily="2" charset="-122"/>
+              </a:rPr>
+              <a:t>return</a:t>
+            </a:r>
+            <a:r>
+              <a:rPr lang="en-US" altLang="zh-CN" sz="1800" b="0" i="0" u="none" strike="noStrike" baseline="0" dirty="0">
+                <a:solidFill>
+                  <a:srgbClr val="BEB8B0"/>
+                </a:solidFill>
+                <a:latin typeface="Consolas" panose="020B0609020204030204" pitchFamily="49" charset="0"/>
+                <a:ea typeface="宋体" panose="02010600030101010101" pitchFamily="2" charset="-122"/>
+              </a:rPr>
+              <a:t> temp;</a:t>
+            </a:r>
+          </a:p>
+          <a:p>
+            <a:pPr marR="0" algn="l" rtl="0"/>
+            <a:r>
+              <a:rPr lang="en-US" altLang="zh-CN" sz="1800" b="0" i="0" u="none" strike="noStrike" baseline="0" dirty="0">
+                <a:solidFill>
+                  <a:srgbClr val="BEB8B0"/>
+                </a:solidFill>
+                <a:latin typeface="Consolas" panose="020B0609020204030204" pitchFamily="49" charset="0"/>
+                <a:ea typeface="宋体" panose="02010600030101010101" pitchFamily="2" charset="-122"/>
+              </a:rPr>
+              <a:t>}</a:t>
+            </a:r>
+          </a:p>
+          <a:p>
+            <a:endParaRPr lang="zh-CN" altLang="en-US" dirty="0"/>
+          </a:p>
+        </p:txBody>
+      </p:sp>
+      <p:sp>
+        <p:nvSpPr>
+          <p:cNvPr id="4" name="文本框 3">
+            <a:extLst>
+              <a:ext uri="{FF2B5EF4-FFF2-40B4-BE49-F238E27FC236}">
+                <a16:creationId xmlns:a16="http://schemas.microsoft.com/office/drawing/2014/main" id="{04F68754-0BFA-EF1C-15D7-EBF4C0577EA2}"/>
+              </a:ext>
+            </a:extLst>
+          </p:cNvPr>
+          <p:cNvSpPr txBox="1"/>
+          <p:nvPr/>
+        </p:nvSpPr>
+        <p:spPr>
+          <a:xfrm>
+            <a:off x="2824480" y="5616922"/>
+            <a:ext cx="2523448" cy="584775"/>
+          </a:xfrm>
+          <a:prstGeom prst="rect">
+            <a:avLst/>
+          </a:prstGeom>
+          <a:noFill/>
+        </p:spPr>
+        <p:txBody>
+          <a:bodyPr wrap="none" rtlCol="0">
+            <a:spAutoFit/>
+          </a:bodyPr>
+          <a:lstStyle/>
+          <a:p>
+            <a:r>
+              <a:rPr lang="zh-CN" altLang="en-US" sz="3200" dirty="0"/>
+              <a:t>更好的写法</a:t>
+            </a:r>
+            <a:r>
+              <a:rPr lang="en-US" altLang="zh-CN" sz="3200" dirty="0"/>
+              <a:t>…</a:t>
+            </a:r>
+            <a:endParaRPr lang="zh-CN" altLang="en-US" sz="3200" dirty="0"/>
+          </a:p>
+        </p:txBody>
+      </p:sp>
+    </p:spTree>
+    <p:extLst>
+      <p:ext uri="{BB962C8B-B14F-4D97-AF65-F5344CB8AC3E}">
+        <p14:creationId xmlns:p14="http://schemas.microsoft.com/office/powerpoint/2010/main" val="966168279"/>
+      </p:ext>
+    </p:extLst>
+  </p:cSld>
+  <p:clrMapOvr>
+    <a:masterClrMapping/>
+  </p:clrMapOvr>
+</p:sld>
+</file>
+
+<file path=ppt/slides/slide6.xml><?xml version="1.0" encoding="utf-8"?>
+<p:sld xmlns:a="http://schemas.openxmlformats.org/drawingml/2006/main" xmlns:r="http://schemas.openxmlformats.org/officeDocument/2006/relationships" xmlns:p="http://schemas.openxmlformats.org/presentationml/2006/main">
+  <p:cSld>
+    <p:spTree>
+      <p:nvGrpSpPr>
+        <p:cNvPr id="1" name=""/>
+        <p:cNvGrpSpPr/>
+        <p:nvPr/>
+      </p:nvGrpSpPr>
+      <p:grpSpPr>
+        <a:xfrm>
+          <a:off x="0" y="0"/>
+          <a:ext cx="0" cy="0"/>
+          <a:chOff x="0" y="0"/>
+          <a:chExt cx="0" cy="0"/>
+        </a:xfrm>
+      </p:grpSpPr>
+      <p:sp>
+        <p:nvSpPr>
+          <p:cNvPr id="2" name="文本框 1">
+            <a:extLst>
+              <a:ext uri="{FF2B5EF4-FFF2-40B4-BE49-F238E27FC236}">
                 <a16:creationId xmlns:a16="http://schemas.microsoft.com/office/drawing/2014/main" id="{608852FC-8AFF-29FD-8F3A-D6FF6CC1CB33}"/>
               </a:ext>
             </a:extLst>
@@ -9105,7 +11109,7 @@
 </p:sld>
 </file>
 
-<file path=ppt/slides/slide6.xml><?xml version="1.0" encoding="utf-8"?>
+<file path=ppt/slides/slide7.xml><?xml version="1.0" encoding="utf-8"?>
 <p:sld xmlns:a="http://schemas.openxmlformats.org/drawingml/2006/main" xmlns:r="http://schemas.openxmlformats.org/officeDocument/2006/relationships" xmlns:p="http://schemas.openxmlformats.org/presentationml/2006/main">
   <p:cSld>
     <p:spTree>
